--- a/Proyecto módulo 1.pptx
+++ b/Proyecto módulo 1.pptx
@@ -6,12 +6,17 @@
   </p:sldMasterIdLst>
   <p:sldIdLst>
     <p:sldId id="256" r:id="rId2"/>
-    <p:sldId id="257" r:id="rId3"/>
-    <p:sldId id="258" r:id="rId4"/>
-    <p:sldId id="259" r:id="rId5"/>
-    <p:sldId id="262" r:id="rId6"/>
-    <p:sldId id="260" r:id="rId7"/>
-    <p:sldId id="261" r:id="rId8"/>
+    <p:sldId id="267" r:id="rId3"/>
+    <p:sldId id="257" r:id="rId4"/>
+    <p:sldId id="263" r:id="rId5"/>
+    <p:sldId id="258" r:id="rId6"/>
+    <p:sldId id="265" r:id="rId7"/>
+    <p:sldId id="264" r:id="rId8"/>
+    <p:sldId id="259" r:id="rId9"/>
+    <p:sldId id="262" r:id="rId10"/>
+    <p:sldId id="266" r:id="rId11"/>
+    <p:sldId id="260" r:id="rId12"/>
+    <p:sldId id="261" r:id="rId13"/>
   </p:sldIdLst>
   <p:sldSz cx="12192000" cy="6858000"/>
   <p:notesSz cx="6858000" cy="9144000"/>
@@ -110,7 +115,16 @@
       </a:defRPr>
     </a:lvl9pPr>
   </p:defaultTextStyle>
+  <p:extLst>
+    <p:ext uri="{EFAFB233-063F-42B5-8137-9DF3F51BA10A}">
+      <p15:sldGuideLst xmlns:p15="http://schemas.microsoft.com/office/powerpoint/2012/main"/>
+    </p:ext>
+  </p:extLst>
 </p:presentation>
+</file>
+
+<file path=ppt/revisionInfo.xml><?xml version="1.0" encoding="utf-8"?>
+<p1510:revInfo xmlns:a="http://schemas.openxmlformats.org/drawingml/2006/main" xmlns:r="http://schemas.openxmlformats.org/officeDocument/2006/relationships" xmlns:p1510="http://schemas.microsoft.com/office/powerpoint/2015/10/main"/>
 </file>
 
 <file path=ppt/slideLayouts/slideLayout1.xml><?xml version="1.0" encoding="utf-8"?>
@@ -5806,48 +5820,15 @@
               <a:rPr lang="es-MX" dirty="0">
                 <a:effectLst/>
               </a:rPr>
-              <a:t>Jorge Diego </a:t>
-            </a:r>
-            <a:r>
-              <a:rPr lang="es-MX" dirty="0" err="1">
-                <a:effectLst/>
-              </a:rPr>
-              <a:t>Sayavedra</a:t>
-            </a:r>
+              <a:t>Jorge Diego Sayavedra Godínez</a:t>
+            </a:r>
+          </a:p>
+          <a:p>
             <a:r>
               <a:rPr lang="es-MX" dirty="0">
                 <a:effectLst/>
               </a:rPr>
-              <a:t> </a:t>
-            </a:r>
-            <a:r>
-              <a:rPr lang="es-MX" dirty="0" err="1">
-                <a:effectLst/>
-              </a:rPr>
-              <a:t>Godinez</a:t>
-            </a:r>
-            <a:endParaRPr lang="es-MX" dirty="0">
-              <a:effectLst/>
-            </a:endParaRPr>
-          </a:p>
-          <a:p>
-            <a:r>
-              <a:rPr lang="es-MX" dirty="0">
-                <a:effectLst/>
-              </a:rPr>
-              <a:t>Carlos </a:t>
-            </a:r>
-            <a:r>
-              <a:rPr lang="es-MX" dirty="0" err="1">
-                <a:effectLst/>
-              </a:rPr>
-              <a:t>Adrian</a:t>
-            </a:r>
-            <a:r>
-              <a:rPr lang="es-MX" dirty="0">
-                <a:effectLst/>
-              </a:rPr>
-              <a:t> Tinajero Velazco</a:t>
+              <a:t>Carlos Adrián Tinajero Velazco</a:t>
             </a:r>
           </a:p>
           <a:p>
@@ -5859,6 +5840,324 @@
     <p:extLst>
       <p:ext uri="{BB962C8B-B14F-4D97-AF65-F5344CB8AC3E}">
         <p14:creationId xmlns:p14="http://schemas.microsoft.com/office/powerpoint/2010/main" val="147416279"/>
+      </p:ext>
+    </p:extLst>
+  </p:cSld>
+  <p:clrMapOvr>
+    <a:masterClrMapping/>
+  </p:clrMapOvr>
+</p:sld>
+</file>
+
+<file path=ppt/slides/slide10.xml><?xml version="1.0" encoding="utf-8"?>
+<p:sld xmlns:a="http://schemas.openxmlformats.org/drawingml/2006/main" xmlns:r="http://schemas.openxmlformats.org/officeDocument/2006/relationships" xmlns:p="http://schemas.openxmlformats.org/presentationml/2006/main">
+  <p:cSld>
+    <p:spTree>
+      <p:nvGrpSpPr>
+        <p:cNvPr id="1" name=""/>
+        <p:cNvGrpSpPr/>
+        <p:nvPr/>
+      </p:nvGrpSpPr>
+      <p:grpSpPr>
+        <a:xfrm>
+          <a:off x="0" y="0"/>
+          <a:ext cx="0" cy="0"/>
+          <a:chOff x="0" y="0"/>
+          <a:chExt cx="0" cy="0"/>
+        </a:xfrm>
+      </p:grpSpPr>
+      <p:pic>
+        <p:nvPicPr>
+          <p:cNvPr id="2050" name="Picture 2" descr="Imagen relacionada">
+            <a:extLst>
+              <a:ext uri="{FF2B5EF4-FFF2-40B4-BE49-F238E27FC236}">
+                <a16:creationId xmlns:a16="http://schemas.microsoft.com/office/drawing/2014/main" id="{9D7E75BC-8B1C-4CA2-8532-63BCFA4433A3}"/>
+              </a:ext>
+            </a:extLst>
+          </p:cNvPr>
+          <p:cNvPicPr>
+            <a:picLocks noChangeAspect="1" noChangeArrowheads="1"/>
+          </p:cNvPicPr>
+          <p:nvPr/>
+        </p:nvPicPr>
+        <p:blipFill>
+          <a:blip r:embed="rId2">
+            <a:extLst>
+              <a:ext uri="{28A0092B-C50C-407E-A947-70E740481C1C}">
+                <a14:useLocalDpi xmlns:a14="http://schemas.microsoft.com/office/drawing/2010/main" val="0"/>
+              </a:ext>
+            </a:extLst>
+          </a:blip>
+          <a:srcRect/>
+          <a:stretch>
+            <a:fillRect/>
+          </a:stretch>
+        </p:blipFill>
+        <p:spPr bwMode="auto">
+          <a:xfrm>
+            <a:off x="760343" y="619332"/>
+            <a:ext cx="10788590" cy="5304390"/>
+          </a:xfrm>
+          <a:prstGeom prst="rect">
+            <a:avLst/>
+          </a:prstGeom>
+          <a:ln>
+            <a:noFill/>
+          </a:ln>
+          <a:effectLst>
+            <a:softEdge rad="112500"/>
+          </a:effectLst>
+          <a:extLst>
+            <a:ext uri="{909E8E84-426E-40DD-AFC4-6F175D3DCCD1}">
+              <a14:hiddenFill xmlns:a14="http://schemas.microsoft.com/office/drawing/2010/main">
+                <a:solidFill>
+                  <a:srgbClr val="FFFFFF"/>
+                </a:solidFill>
+              </a14:hiddenFill>
+            </a:ext>
+          </a:extLst>
+        </p:spPr>
+      </p:pic>
+    </p:spTree>
+    <p:extLst>
+      <p:ext uri="{BB962C8B-B14F-4D97-AF65-F5344CB8AC3E}">
+        <p14:creationId xmlns:p14="http://schemas.microsoft.com/office/powerpoint/2010/main" val="667765937"/>
+      </p:ext>
+    </p:extLst>
+  </p:cSld>
+  <p:clrMapOvr>
+    <a:masterClrMapping/>
+  </p:clrMapOvr>
+</p:sld>
+</file>
+
+<file path=ppt/slides/slide11.xml><?xml version="1.0" encoding="utf-8"?>
+<p:sld xmlns:a="http://schemas.openxmlformats.org/drawingml/2006/main" xmlns:r="http://schemas.openxmlformats.org/officeDocument/2006/relationships" xmlns:p="http://schemas.openxmlformats.org/presentationml/2006/main">
+  <p:cSld>
+    <p:spTree>
+      <p:nvGrpSpPr>
+        <p:cNvPr id="1" name=""/>
+        <p:cNvGrpSpPr/>
+        <p:nvPr/>
+      </p:nvGrpSpPr>
+      <p:grpSpPr>
+        <a:xfrm>
+          <a:off x="0" y="0"/>
+          <a:ext cx="0" cy="0"/>
+          <a:chOff x="0" y="0"/>
+          <a:chExt cx="0" cy="0"/>
+        </a:xfrm>
+      </p:grpSpPr>
+      <p:sp>
+        <p:nvSpPr>
+          <p:cNvPr id="2" name="Título 1">
+            <a:extLst>
+              <a:ext uri="{FF2B5EF4-FFF2-40B4-BE49-F238E27FC236}">
+                <a16:creationId xmlns:a16="http://schemas.microsoft.com/office/drawing/2014/main" id="{4FE6F5F0-EEA8-4E6E-824F-1B736B031CC7}"/>
+              </a:ext>
+            </a:extLst>
+          </p:cNvPr>
+          <p:cNvSpPr>
+            <a:spLocks noGrp="1"/>
+          </p:cNvSpPr>
+          <p:nvPr>
+            <p:ph type="title"/>
+          </p:nvPr>
+        </p:nvSpPr>
+        <p:spPr>
+          <a:xfrm>
+            <a:off x="789721" y="0"/>
+            <a:ext cx="9905998" cy="1905000"/>
+          </a:xfrm>
+        </p:spPr>
+        <p:txBody>
+          <a:bodyPr/>
+          <a:lstStyle/>
+          <a:p>
+            <a:r>
+              <a:rPr lang="es-MX" dirty="0"/>
+              <a:t>conclusiones</a:t>
+            </a:r>
+          </a:p>
+        </p:txBody>
+      </p:sp>
+      <p:sp>
+        <p:nvSpPr>
+          <p:cNvPr id="3" name="Marcador de contenido 2">
+            <a:extLst>
+              <a:ext uri="{FF2B5EF4-FFF2-40B4-BE49-F238E27FC236}">
+                <a16:creationId xmlns:a16="http://schemas.microsoft.com/office/drawing/2014/main" id="{1C531B4B-2F8F-475A-A9A6-FB7095E9A46B}"/>
+              </a:ext>
+            </a:extLst>
+          </p:cNvPr>
+          <p:cNvSpPr>
+            <a:spLocks noGrp="1"/>
+          </p:cNvSpPr>
+          <p:nvPr>
+            <p:ph idx="1"/>
+          </p:nvPr>
+        </p:nvSpPr>
+        <p:spPr>
+          <a:xfrm>
+            <a:off x="1141413" y="1351722"/>
+            <a:ext cx="9905998" cy="5049077"/>
+          </a:xfrm>
+        </p:spPr>
+        <p:txBody>
+          <a:bodyPr>
+            <a:normAutofit fontScale="92500" lnSpcReduction="20000"/>
+          </a:bodyPr>
+          <a:lstStyle/>
+          <a:p>
+            <a:r>
+              <a:rPr lang="es-MX" dirty="0">
+                <a:effectLst/>
+              </a:rPr>
+              <a:t>Los modelos que permiten representar esta clase de fenómenos en el ámbito de la ingeniería son aparentemente sencillos y pueden transformarse a sistemas de ecuaciones no diferenciales; pero siguen partiendo de la base de las mismas.</a:t>
+            </a:r>
+          </a:p>
+          <a:p>
+            <a:r>
+              <a:rPr lang="es-MX" dirty="0">
+                <a:effectLst/>
+              </a:rPr>
+              <a:t>Una viga simple sometida a esta clase de esfuerzos se comienza a flexionar de manera cóncava y </a:t>
+            </a:r>
+            <a:r>
+              <a:rPr lang="es-MX" b="1" dirty="0">
+                <a:effectLst/>
+              </a:rPr>
+              <a:t>a medida que la fuerza se aplica en el punto más alejado respecto al punto de apoyo de la viga, ésta sufre una deformación más extrema.</a:t>
+            </a:r>
+            <a:r>
+              <a:rPr lang="es-MX" dirty="0">
+                <a:effectLst/>
+              </a:rPr>
+              <a:t> Por lo que, en función de las características físicas propias de la viga en cuestión, puede llegar el momento en que no soporte la tensión y sufra de un desgarramiento.</a:t>
+            </a:r>
+          </a:p>
+          <a:p>
+            <a:r>
+              <a:rPr lang="es-MX" dirty="0">
+                <a:effectLst/>
+              </a:rPr>
+              <a:t>Finalmente, en lo que se refiere a la importancia de la solución de este tipo de problemas dentro del campo de acción de la Ingeniería Civil, resulta evidente que tomar en cuenta estas propiedades, no solo de vigas sino de todo elemento estructural que deba soportar esfuerzos de esta naturaleza, es imperioso para poder lograr que el diseño propuesto por el ingeniero sea óptimo para resistir las fuerzas que experimentará a lo largo de su vida útil. Esta responsabilidad se hace aún más evidente en estos tiempos, cuando los recientes sismos en nuestro país nos recuerdan que </a:t>
+            </a:r>
+            <a:r>
+              <a:rPr lang="es-MX" b="1" dirty="0">
+                <a:effectLst/>
+              </a:rPr>
+              <a:t>el hacer caso omiso de esta clase de comportamientos naturales puede ser la diferencia entre la vida y la muerte de todos aquellos quienes usarán las edificaciones que nosotros diseñemos.</a:t>
+            </a:r>
+            <a:r>
+              <a:rPr lang="es-MX" dirty="0">
+                <a:effectLst/>
+              </a:rPr>
+              <a:t> Es una responsabilidad demasiado grande como para dejar que sea hecho a la ligera.</a:t>
+            </a:r>
+          </a:p>
+          <a:p>
+            <a:endParaRPr lang="es-MX" dirty="0"/>
+          </a:p>
+        </p:txBody>
+      </p:sp>
+    </p:spTree>
+    <p:extLst>
+      <p:ext uri="{BB962C8B-B14F-4D97-AF65-F5344CB8AC3E}">
+        <p14:creationId xmlns:p14="http://schemas.microsoft.com/office/powerpoint/2010/main" val="2086482557"/>
+      </p:ext>
+    </p:extLst>
+  </p:cSld>
+  <p:clrMapOvr>
+    <a:masterClrMapping/>
+  </p:clrMapOvr>
+</p:sld>
+</file>
+
+<file path=ppt/slides/slide12.xml><?xml version="1.0" encoding="utf-8"?>
+<p:sld xmlns:a="http://schemas.openxmlformats.org/drawingml/2006/main" xmlns:r="http://schemas.openxmlformats.org/officeDocument/2006/relationships" xmlns:p="http://schemas.openxmlformats.org/presentationml/2006/main">
+  <p:cSld>
+    <p:spTree>
+      <p:nvGrpSpPr>
+        <p:cNvPr id="1" name=""/>
+        <p:cNvGrpSpPr/>
+        <p:nvPr/>
+      </p:nvGrpSpPr>
+      <p:grpSpPr>
+        <a:xfrm>
+          <a:off x="0" y="0"/>
+          <a:ext cx="0" cy="0"/>
+          <a:chOff x="0" y="0"/>
+          <a:chExt cx="0" cy="0"/>
+        </a:xfrm>
+      </p:grpSpPr>
+      <p:sp>
+        <p:nvSpPr>
+          <p:cNvPr id="2" name="Título 1">
+            <a:extLst>
+              <a:ext uri="{FF2B5EF4-FFF2-40B4-BE49-F238E27FC236}">
+                <a16:creationId xmlns:a16="http://schemas.microsoft.com/office/drawing/2014/main" id="{369F7897-275E-4F87-A86F-9C0406358D64}"/>
+              </a:ext>
+            </a:extLst>
+          </p:cNvPr>
+          <p:cNvSpPr>
+            <a:spLocks noGrp="1"/>
+          </p:cNvSpPr>
+          <p:nvPr>
+            <p:ph type="title"/>
+          </p:nvPr>
+        </p:nvSpPr>
+        <p:spPr/>
+        <p:txBody>
+          <a:bodyPr/>
+          <a:lstStyle/>
+          <a:p>
+            <a:r>
+              <a:rPr lang="es-MX" dirty="0"/>
+              <a:t>referencias</a:t>
+            </a:r>
+          </a:p>
+        </p:txBody>
+      </p:sp>
+      <p:sp>
+        <p:nvSpPr>
+          <p:cNvPr id="3" name="Marcador de contenido 2">
+            <a:extLst>
+              <a:ext uri="{FF2B5EF4-FFF2-40B4-BE49-F238E27FC236}">
+                <a16:creationId xmlns:a16="http://schemas.microsoft.com/office/drawing/2014/main" id="{55401434-5038-499F-A49D-8022C182D155}"/>
+              </a:ext>
+            </a:extLst>
+          </p:cNvPr>
+          <p:cNvSpPr>
+            <a:spLocks noGrp="1"/>
+          </p:cNvSpPr>
+          <p:nvPr>
+            <p:ph idx="1"/>
+          </p:nvPr>
+        </p:nvSpPr>
+        <p:spPr>
+          <a:xfrm>
+            <a:off x="2184558" y="1562100"/>
+            <a:ext cx="7819707" cy="3124201"/>
+          </a:xfrm>
+        </p:spPr>
+        <p:txBody>
+          <a:bodyPr>
+            <a:normAutofit/>
+          </a:bodyPr>
+          <a:lstStyle/>
+          <a:p>
+            <a:r>
+              <a:rPr lang="es-MX" sz="2800" dirty="0"/>
+              <a:t>Kassimali A. (2014). Análisis estructural (5° Ed). México D.F.: Cengage Learning.</a:t>
+            </a:r>
+          </a:p>
+        </p:txBody>
+      </p:sp>
+    </p:spTree>
+    <p:extLst>
+      <p:ext uri="{BB962C8B-B14F-4D97-AF65-F5344CB8AC3E}">
+        <p14:creationId xmlns:p14="http://schemas.microsoft.com/office/powerpoint/2010/main" val="2097974283"/>
       </p:ext>
     </p:extLst>
   </p:cSld>
@@ -5890,7 +6189,7 @@
           <p:cNvPr id="2" name="Título 1">
             <a:extLst>
               <a:ext uri="{FF2B5EF4-FFF2-40B4-BE49-F238E27FC236}">
-                <a16:creationId xmlns:a16="http://schemas.microsoft.com/office/drawing/2014/main" id="{5C3F16DA-5B32-4168-8DD0-1497F3B745DF}"/>
+                <a16:creationId xmlns:a16="http://schemas.microsoft.com/office/drawing/2014/main" id="{E9D5BB30-E6D5-4E55-936D-4D28F8A2DE39}"/>
               </a:ext>
             </a:extLst>
           </p:cNvPr>
@@ -5908,7 +6207,7 @@
           <a:p>
             <a:r>
               <a:rPr lang="es-MX" dirty="0"/>
-              <a:t>Objetivo</a:t>
+              <a:t>Tabla de contenido	</a:t>
             </a:r>
           </a:p>
         </p:txBody>
@@ -5918,7 +6217,7 @@
           <p:cNvPr id="3" name="Marcador de contenido 2">
             <a:extLst>
               <a:ext uri="{FF2B5EF4-FFF2-40B4-BE49-F238E27FC236}">
-                <a16:creationId xmlns:a16="http://schemas.microsoft.com/office/drawing/2014/main" id="{1CB2E514-31B5-466C-9D2B-80C876D72099}"/>
+                <a16:creationId xmlns:a16="http://schemas.microsoft.com/office/drawing/2014/main" id="{2FFE1002-B016-4430-8ECE-ABBE54777C07}"/>
               </a:ext>
             </a:extLst>
           </p:cNvPr>
@@ -5929,23 +6228,55 @@
             <p:ph idx="1"/>
           </p:nvPr>
         </p:nvSpPr>
-        <p:spPr/>
+        <p:spPr>
+          <a:xfrm>
+            <a:off x="1141413" y="2226365"/>
+            <a:ext cx="9905998" cy="3869635"/>
+          </a:xfrm>
+        </p:spPr>
         <p:txBody>
           <a:bodyPr/>
           <a:lstStyle/>
           <a:p>
             <a:r>
               <a:rPr lang="es-MX" dirty="0"/>
-              <a:t>Objetivo general:</a:t>
-            </a:r>
-          </a:p>
-          <a:p>
-            <a:endParaRPr lang="es-MX" dirty="0"/>
+              <a:t>Objetivo general</a:t>
+            </a:r>
           </a:p>
           <a:p>
             <a:r>
               <a:rPr lang="es-MX" dirty="0"/>
-              <a:t>Objetivo específico:</a:t>
+              <a:t>Objetivos específicos</a:t>
+            </a:r>
+          </a:p>
+          <a:p>
+            <a:r>
+              <a:rPr lang="es-MX" dirty="0"/>
+              <a:t>Modelo representado</a:t>
+            </a:r>
+          </a:p>
+          <a:p>
+            <a:r>
+              <a:rPr lang="es-MX" dirty="0"/>
+              <a:t>Fórmulas</a:t>
+            </a:r>
+          </a:p>
+          <a:p>
+            <a:r>
+              <a:rPr lang="es-MX" dirty="0"/>
+              <a:t>Simulaciones</a:t>
+            </a:r>
+          </a:p>
+          <a:p>
+            <a:r>
+              <a:rPr lang="es-MX" dirty="0"/>
+              <a:t>Conclusiones</a:t>
+            </a:r>
+          </a:p>
+          <a:p>
+            <a:r>
+              <a:rPr lang="es-MX" dirty="0"/>
+              <a:t>referencias</a:t>
             </a:r>
           </a:p>
           <a:p>
@@ -5956,7 +6287,7 @@
     </p:spTree>
     <p:extLst>
       <p:ext uri="{BB962C8B-B14F-4D97-AF65-F5344CB8AC3E}">
-        <p14:creationId xmlns:p14="http://schemas.microsoft.com/office/powerpoint/2010/main" val="3971147875"/>
+        <p14:creationId xmlns:p14="http://schemas.microsoft.com/office/powerpoint/2010/main" val="2876697621"/>
       </p:ext>
     </p:extLst>
   </p:cSld>
@@ -5988,6 +6319,231 @@
           <p:cNvPr id="2" name="Título 1">
             <a:extLst>
               <a:ext uri="{FF2B5EF4-FFF2-40B4-BE49-F238E27FC236}">
+                <a16:creationId xmlns:a16="http://schemas.microsoft.com/office/drawing/2014/main" id="{5C3F16DA-5B32-4168-8DD0-1497F3B745DF}"/>
+              </a:ext>
+            </a:extLst>
+          </p:cNvPr>
+          <p:cNvSpPr>
+            <a:spLocks noGrp="1"/>
+          </p:cNvSpPr>
+          <p:nvPr>
+            <p:ph type="title"/>
+          </p:nvPr>
+        </p:nvSpPr>
+        <p:spPr/>
+        <p:txBody>
+          <a:bodyPr/>
+          <a:lstStyle/>
+          <a:p>
+            <a:r>
+              <a:rPr lang="es-MX" dirty="0"/>
+              <a:t>Objetivo general</a:t>
+            </a:r>
+          </a:p>
+        </p:txBody>
+      </p:sp>
+      <p:sp>
+        <p:nvSpPr>
+          <p:cNvPr id="3" name="Marcador de contenido 2">
+            <a:extLst>
+              <a:ext uri="{FF2B5EF4-FFF2-40B4-BE49-F238E27FC236}">
+                <a16:creationId xmlns:a16="http://schemas.microsoft.com/office/drawing/2014/main" id="{1CB2E514-31B5-466C-9D2B-80C876D72099}"/>
+              </a:ext>
+            </a:extLst>
+          </p:cNvPr>
+          <p:cNvSpPr>
+            <a:spLocks noGrp="1"/>
+          </p:cNvSpPr>
+          <p:nvPr>
+            <p:ph idx="1"/>
+          </p:nvPr>
+        </p:nvSpPr>
+        <p:spPr/>
+        <p:txBody>
+          <a:bodyPr/>
+          <a:lstStyle/>
+          <a:p>
+            <a:pPr marL="0" indent="0">
+              <a:buNone/>
+            </a:pPr>
+            <a:r>
+              <a:rPr lang="es-MX" dirty="0">
+                <a:effectLst/>
+              </a:rPr>
+              <a:t>Determinar de qué manera una viga simple apoyada en un punto A se deforma cuando se somete a un esfuerzo P en el extremo contrario al cual en el que se apoya.</a:t>
+            </a:r>
+            <a:endParaRPr lang="es-MX" dirty="0"/>
+          </a:p>
+          <a:p>
+            <a:endParaRPr lang="es-MX" dirty="0"/>
+          </a:p>
+          <a:p>
+            <a:endParaRPr lang="es-MX" dirty="0"/>
+          </a:p>
+        </p:txBody>
+      </p:sp>
+    </p:spTree>
+    <p:extLst>
+      <p:ext uri="{BB962C8B-B14F-4D97-AF65-F5344CB8AC3E}">
+        <p14:creationId xmlns:p14="http://schemas.microsoft.com/office/powerpoint/2010/main" val="3971147875"/>
+      </p:ext>
+    </p:extLst>
+  </p:cSld>
+  <p:clrMapOvr>
+    <a:masterClrMapping/>
+  </p:clrMapOvr>
+</p:sld>
+</file>
+
+<file path=ppt/slides/slide4.xml><?xml version="1.0" encoding="utf-8"?>
+<p:sld xmlns:a="http://schemas.openxmlformats.org/drawingml/2006/main" xmlns:r="http://schemas.openxmlformats.org/officeDocument/2006/relationships" xmlns:p="http://schemas.openxmlformats.org/presentationml/2006/main">
+  <p:cSld>
+    <p:spTree>
+      <p:nvGrpSpPr>
+        <p:cNvPr id="1" name=""/>
+        <p:cNvGrpSpPr/>
+        <p:nvPr/>
+      </p:nvGrpSpPr>
+      <p:grpSpPr>
+        <a:xfrm>
+          <a:off x="0" y="0"/>
+          <a:ext cx="0" cy="0"/>
+          <a:chOff x="0" y="0"/>
+          <a:chExt cx="0" cy="0"/>
+        </a:xfrm>
+      </p:grpSpPr>
+      <p:sp>
+        <p:nvSpPr>
+          <p:cNvPr id="2" name="Título 1">
+            <a:extLst>
+              <a:ext uri="{FF2B5EF4-FFF2-40B4-BE49-F238E27FC236}">
+                <a16:creationId xmlns:a16="http://schemas.microsoft.com/office/drawing/2014/main" id="{12606329-39DB-4861-B903-3D021904422A}"/>
+              </a:ext>
+            </a:extLst>
+          </p:cNvPr>
+          <p:cNvSpPr>
+            <a:spLocks noGrp="1"/>
+          </p:cNvSpPr>
+          <p:nvPr>
+            <p:ph type="title"/>
+          </p:nvPr>
+        </p:nvSpPr>
+        <p:spPr/>
+        <p:txBody>
+          <a:bodyPr/>
+          <a:lstStyle/>
+          <a:p>
+            <a:r>
+              <a:rPr lang="es-MX" dirty="0"/>
+              <a:t>Objetivos específicos:</a:t>
+            </a:r>
+            <a:br>
+              <a:rPr lang="es-MX" dirty="0"/>
+            </a:br>
+            <a:endParaRPr lang="es-MX" dirty="0"/>
+          </a:p>
+        </p:txBody>
+      </p:sp>
+      <p:sp>
+        <p:nvSpPr>
+          <p:cNvPr id="3" name="Marcador de contenido 2">
+            <a:extLst>
+              <a:ext uri="{FF2B5EF4-FFF2-40B4-BE49-F238E27FC236}">
+                <a16:creationId xmlns:a16="http://schemas.microsoft.com/office/drawing/2014/main" id="{A3D70703-23A8-4FCB-800E-640F4DC3A3FC}"/>
+              </a:ext>
+            </a:extLst>
+          </p:cNvPr>
+          <p:cNvSpPr>
+            <a:spLocks noGrp="1"/>
+          </p:cNvSpPr>
+          <p:nvPr>
+            <p:ph idx="1"/>
+          </p:nvPr>
+        </p:nvSpPr>
+        <p:spPr>
+          <a:xfrm>
+            <a:off x="1141413" y="2319131"/>
+            <a:ext cx="9905998" cy="3472070"/>
+          </a:xfrm>
+        </p:spPr>
+        <p:txBody>
+          <a:bodyPr/>
+          <a:lstStyle/>
+          <a:p>
+            <a:r>
+              <a:rPr lang="es-MX" dirty="0">
+                <a:effectLst/>
+              </a:rPr>
+              <a:t>Hallar una expresión matemática, en forma de ecuación diferencial, que nos permita analizar y simular el comportamiento de una viga sometida a esfuerzos.</a:t>
+            </a:r>
+          </a:p>
+          <a:p>
+            <a:r>
+              <a:rPr lang="es-MX" dirty="0">
+                <a:effectLst/>
+              </a:rPr>
+              <a:t>Definir qué importancia tiene esta clase de aplicaciones en el campo de la Ingeniería Civil.</a:t>
+            </a:r>
+          </a:p>
+          <a:p>
+            <a:r>
+              <a:rPr lang="es-MX" dirty="0">
+                <a:effectLst/>
+              </a:rPr>
+              <a:t>Simular el comportamiento de una viga particular dadas las condiciones propuestas por el modelo matemático.</a:t>
+            </a:r>
+          </a:p>
+          <a:p>
+            <a:r>
+              <a:rPr lang="es-MX" dirty="0">
+                <a:effectLst/>
+              </a:rPr>
+              <a:t>Graficar y hallar los resultados numéricos que solucionan el modelaje del comportamiento de la viga.</a:t>
+            </a:r>
+          </a:p>
+          <a:p>
+            <a:pPr marL="0" indent="0">
+              <a:buNone/>
+            </a:pPr>
+            <a:endParaRPr lang="es-MX" dirty="0"/>
+          </a:p>
+        </p:txBody>
+      </p:sp>
+    </p:spTree>
+    <p:extLst>
+      <p:ext uri="{BB962C8B-B14F-4D97-AF65-F5344CB8AC3E}">
+        <p14:creationId xmlns:p14="http://schemas.microsoft.com/office/powerpoint/2010/main" val="846856468"/>
+      </p:ext>
+    </p:extLst>
+  </p:cSld>
+  <p:clrMapOvr>
+    <a:masterClrMapping/>
+  </p:clrMapOvr>
+</p:sld>
+</file>
+
+<file path=ppt/slides/slide5.xml><?xml version="1.0" encoding="utf-8"?>
+<p:sld xmlns:a="http://schemas.openxmlformats.org/drawingml/2006/main" xmlns:r="http://schemas.openxmlformats.org/officeDocument/2006/relationships" xmlns:p="http://schemas.openxmlformats.org/presentationml/2006/main">
+  <p:cSld>
+    <p:spTree>
+      <p:nvGrpSpPr>
+        <p:cNvPr id="1" name=""/>
+        <p:cNvGrpSpPr/>
+        <p:nvPr/>
+      </p:nvGrpSpPr>
+      <p:grpSpPr>
+        <a:xfrm>
+          <a:off x="0" y="0"/>
+          <a:ext cx="0" cy="0"/>
+          <a:chOff x="0" y="0"/>
+          <a:chExt cx="0" cy="0"/>
+        </a:xfrm>
+      </p:grpSpPr>
+      <p:sp>
+        <p:nvSpPr>
+          <p:cNvPr id="2" name="Título 1">
+            <a:extLst>
+              <a:ext uri="{FF2B5EF4-FFF2-40B4-BE49-F238E27FC236}">
                 <a16:creationId xmlns:a16="http://schemas.microsoft.com/office/drawing/2014/main" id="{2DCFEB57-8C0B-471D-967D-824477EFC50E}"/>
               </a:ext>
             </a:extLst>
@@ -6037,6 +6593,9 @@
           <a:bodyPr/>
           <a:lstStyle/>
           <a:p>
+            <a:pPr marL="0" indent="0" algn="just">
+              <a:buNone/>
+            </a:pPr>
             <a:r>
               <a:rPr lang="es-MX" dirty="0"/>
               <a:t>En esta ocasión nosotros definiremos una problemática conforme a una viga de 20 pies de longitud que se le aplica un momento en una fuerza de 15k en uno de sus extremos y nuestra labor es determinar </a:t>
@@ -6045,31 +6604,7 @@
               <a:rPr lang="es-MX" dirty="0">
                 <a:effectLst/>
               </a:rPr>
-              <a:t>la pendiente y la deflexión </a:t>
-            </a:r>
-            <a:r>
-              <a:rPr lang="es-MX" dirty="0" err="1">
-                <a:effectLst/>
-              </a:rPr>
-              <a:t>conformela</a:t>
-            </a:r>
-            <a:r>
-              <a:rPr lang="es-MX" dirty="0">
-                <a:effectLst/>
-              </a:rPr>
-              <a:t> fuerza aplicada en el punto B de la viga en </a:t>
-            </a:r>
-            <a:r>
-              <a:rPr lang="es-MX" dirty="0" err="1">
-                <a:effectLst/>
-              </a:rPr>
-              <a:t>cantiliver</a:t>
-            </a:r>
-            <a:r>
-              <a:rPr lang="es-MX" dirty="0">
-                <a:effectLst/>
-              </a:rPr>
-              <a:t> por le método directo que está en la imagen</a:t>
+              <a:t>la pendiente y la deflexión conforme a la fuerza aplicada en el punto B de la viga en cantiliver por le método directo que está en la imagen</a:t>
             </a:r>
           </a:p>
           <a:p>
@@ -6120,7 +6655,290 @@
 </p:sld>
 </file>
 
-<file path=ppt/slides/slide4.xml><?xml version="1.0" encoding="utf-8"?>
+<file path=ppt/slides/slide6.xml><?xml version="1.0" encoding="utf-8"?>
+<p:sld xmlns:a="http://schemas.openxmlformats.org/drawingml/2006/main" xmlns:r="http://schemas.openxmlformats.org/officeDocument/2006/relationships" xmlns:p="http://schemas.openxmlformats.org/presentationml/2006/main">
+  <p:cSld>
+    <p:spTree>
+      <p:nvGrpSpPr>
+        <p:cNvPr id="1" name=""/>
+        <p:cNvGrpSpPr/>
+        <p:nvPr/>
+      </p:nvGrpSpPr>
+      <p:grpSpPr>
+        <a:xfrm>
+          <a:off x="0" y="0"/>
+          <a:ext cx="0" cy="0"/>
+          <a:chOff x="0" y="0"/>
+          <a:chExt cx="0" cy="0"/>
+        </a:xfrm>
+      </p:grpSpPr>
+      <p:pic>
+        <p:nvPicPr>
+          <p:cNvPr id="2" name="Imagen 1">
+            <a:extLst>
+              <a:ext uri="{FF2B5EF4-FFF2-40B4-BE49-F238E27FC236}">
+                <a16:creationId xmlns:a16="http://schemas.microsoft.com/office/drawing/2014/main" id="{3D7D5B01-2F19-431B-A27F-B1A00B1AE4A8}"/>
+              </a:ext>
+            </a:extLst>
+          </p:cNvPr>
+          <p:cNvPicPr>
+            <a:picLocks noChangeAspect="1"/>
+          </p:cNvPicPr>
+          <p:nvPr/>
+        </p:nvPicPr>
+        <p:blipFill>
+          <a:blip r:embed="rId2"/>
+          <a:stretch>
+            <a:fillRect/>
+          </a:stretch>
+        </p:blipFill>
+        <p:spPr>
+          <a:xfrm>
+            <a:off x="862634" y="437529"/>
+            <a:ext cx="5047836" cy="6272896"/>
+          </a:xfrm>
+          <a:prstGeom prst="rect">
+            <a:avLst/>
+          </a:prstGeom>
+        </p:spPr>
+      </p:pic>
+      <p:sp>
+        <p:nvSpPr>
+          <p:cNvPr id="3" name="CuadroTexto 2">
+            <a:extLst>
+              <a:ext uri="{FF2B5EF4-FFF2-40B4-BE49-F238E27FC236}">
+                <a16:creationId xmlns:a16="http://schemas.microsoft.com/office/drawing/2014/main" id="{2FFC8645-A915-4544-9598-500710A0D260}"/>
+              </a:ext>
+            </a:extLst>
+          </p:cNvPr>
+          <p:cNvSpPr txBox="1"/>
+          <p:nvPr/>
+        </p:nvSpPr>
+        <p:spPr>
+          <a:xfrm>
+            <a:off x="5910470" y="675861"/>
+            <a:ext cx="4267200" cy="369332"/>
+          </a:xfrm>
+          <a:prstGeom prst="rect">
+            <a:avLst/>
+          </a:prstGeom>
+          <a:noFill/>
+        </p:spPr>
+        <p:txBody>
+          <a:bodyPr wrap="square" rtlCol="0">
+            <a:spAutoFit/>
+          </a:bodyPr>
+          <a:lstStyle/>
+          <a:p>
+            <a:r>
+              <a:rPr lang="es-MX" dirty="0"/>
+              <a:t>Ejemplo del fenómeno estudiado</a:t>
+            </a:r>
+          </a:p>
+        </p:txBody>
+      </p:sp>
+    </p:spTree>
+    <p:extLst>
+      <p:ext uri="{BB962C8B-B14F-4D97-AF65-F5344CB8AC3E}">
+        <p14:creationId xmlns:p14="http://schemas.microsoft.com/office/powerpoint/2010/main" val="1782862699"/>
+      </p:ext>
+    </p:extLst>
+  </p:cSld>
+  <p:clrMapOvr>
+    <a:masterClrMapping/>
+  </p:clrMapOvr>
+</p:sld>
+</file>
+
+<file path=ppt/slides/slide7.xml><?xml version="1.0" encoding="utf-8"?>
+<p:sld xmlns:a="http://schemas.openxmlformats.org/drawingml/2006/main" xmlns:r="http://schemas.openxmlformats.org/officeDocument/2006/relationships" xmlns:p="http://schemas.openxmlformats.org/presentationml/2006/main">
+  <p:cSld>
+    <p:spTree>
+      <p:nvGrpSpPr>
+        <p:cNvPr id="1" name=""/>
+        <p:cNvGrpSpPr/>
+        <p:nvPr/>
+      </p:nvGrpSpPr>
+      <p:grpSpPr>
+        <a:xfrm>
+          <a:off x="0" y="0"/>
+          <a:ext cx="0" cy="0"/>
+          <a:chOff x="0" y="0"/>
+          <a:chExt cx="0" cy="0"/>
+        </a:xfrm>
+      </p:grpSpPr>
+      <p:sp>
+        <p:nvSpPr>
+          <p:cNvPr id="2" name="Título 1">
+            <a:extLst>
+              <a:ext uri="{FF2B5EF4-FFF2-40B4-BE49-F238E27FC236}">
+                <a16:creationId xmlns:a16="http://schemas.microsoft.com/office/drawing/2014/main" id="{3B01FFA4-3D2B-45AF-A93C-33A6466E60A5}"/>
+              </a:ext>
+            </a:extLst>
+          </p:cNvPr>
+          <p:cNvSpPr>
+            <a:spLocks noGrp="1"/>
+          </p:cNvSpPr>
+          <p:nvPr>
+            <p:ph type="title"/>
+          </p:nvPr>
+        </p:nvSpPr>
+        <p:spPr/>
+        <p:txBody>
+          <a:bodyPr/>
+          <a:lstStyle/>
+          <a:p>
+            <a:r>
+              <a:rPr lang="es-MX" dirty="0"/>
+              <a:t>Fórmulas</a:t>
+            </a:r>
+          </a:p>
+        </p:txBody>
+      </p:sp>
+      <p:pic>
+        <p:nvPicPr>
+          <p:cNvPr id="5" name="Marcador de contenido 4">
+            <a:extLst>
+              <a:ext uri="{FF2B5EF4-FFF2-40B4-BE49-F238E27FC236}">
+                <a16:creationId xmlns:a16="http://schemas.microsoft.com/office/drawing/2014/main" id="{9DBE9E07-253B-4E3F-992A-EEB4FE9E4B4D}"/>
+              </a:ext>
+            </a:extLst>
+          </p:cNvPr>
+          <p:cNvPicPr>
+            <a:picLocks noGrp="1" noChangeAspect="1"/>
+          </p:cNvPicPr>
+          <p:nvPr>
+            <p:ph idx="1"/>
+          </p:nvPr>
+        </p:nvPicPr>
+        <p:blipFill rotWithShape="1">
+          <a:blip r:embed="rId2"/>
+          <a:srcRect l="15605" t="37290" r="70880" b="56280"/>
+          <a:stretch/>
+        </p:blipFill>
+        <p:spPr>
+          <a:xfrm>
+            <a:off x="1141413" y="2367168"/>
+            <a:ext cx="3604593" cy="964097"/>
+          </a:xfrm>
+          <a:prstGeom prst="rect">
+            <a:avLst/>
+          </a:prstGeom>
+        </p:spPr>
+      </p:pic>
+      <p:pic>
+        <p:nvPicPr>
+          <p:cNvPr id="6" name="Marcador de contenido 4">
+            <a:extLst>
+              <a:ext uri="{FF2B5EF4-FFF2-40B4-BE49-F238E27FC236}">
+                <a16:creationId xmlns:a16="http://schemas.microsoft.com/office/drawing/2014/main" id="{1CC8B26A-1D0A-435B-BD39-E5B2D35CD0B1}"/>
+              </a:ext>
+            </a:extLst>
+          </p:cNvPr>
+          <p:cNvPicPr>
+            <a:picLocks noChangeAspect="1"/>
+          </p:cNvPicPr>
+          <p:nvPr/>
+        </p:nvPicPr>
+        <p:blipFill rotWithShape="1">
+          <a:blip r:embed="rId2"/>
+          <a:srcRect l="15833" t="47566" r="73982" b="47507"/>
+          <a:stretch/>
+        </p:blipFill>
+        <p:spPr>
+          <a:xfrm>
+            <a:off x="1141413" y="4272168"/>
+            <a:ext cx="3587359" cy="975693"/>
+          </a:xfrm>
+          <a:prstGeom prst="rect">
+            <a:avLst/>
+          </a:prstGeom>
+        </p:spPr>
+      </p:pic>
+      <p:sp>
+        <p:nvSpPr>
+          <p:cNvPr id="7" name="CuadroTexto 6">
+            <a:extLst>
+              <a:ext uri="{FF2B5EF4-FFF2-40B4-BE49-F238E27FC236}">
+                <a16:creationId xmlns:a16="http://schemas.microsoft.com/office/drawing/2014/main" id="{A0BFF95B-77A1-435E-BF62-0C4CB6CA7FC4}"/>
+              </a:ext>
+            </a:extLst>
+          </p:cNvPr>
+          <p:cNvSpPr txBox="1"/>
+          <p:nvPr/>
+        </p:nvSpPr>
+        <p:spPr>
+          <a:xfrm>
+            <a:off x="5724939" y="2514600"/>
+            <a:ext cx="3392557" cy="369332"/>
+          </a:xfrm>
+          <a:prstGeom prst="rect">
+            <a:avLst/>
+          </a:prstGeom>
+          <a:noFill/>
+        </p:spPr>
+        <p:txBody>
+          <a:bodyPr wrap="square" rtlCol="0">
+            <a:spAutoFit/>
+          </a:bodyPr>
+          <a:lstStyle/>
+          <a:p>
+            <a:r>
+              <a:rPr lang="es-MX" dirty="0"/>
+              <a:t>Pendiente de deflexión</a:t>
+            </a:r>
+          </a:p>
+        </p:txBody>
+      </p:sp>
+      <p:sp>
+        <p:nvSpPr>
+          <p:cNvPr id="8" name="CuadroTexto 7">
+            <a:extLst>
+              <a:ext uri="{FF2B5EF4-FFF2-40B4-BE49-F238E27FC236}">
+                <a16:creationId xmlns:a16="http://schemas.microsoft.com/office/drawing/2014/main" id="{8C69094A-1D50-4EA2-9BDA-8AC377B0830E}"/>
+              </a:ext>
+            </a:extLst>
+          </p:cNvPr>
+          <p:cNvSpPr txBox="1"/>
+          <p:nvPr/>
+        </p:nvSpPr>
+        <p:spPr>
+          <a:xfrm>
+            <a:off x="5724939" y="4760014"/>
+            <a:ext cx="3392557" cy="369332"/>
+          </a:xfrm>
+          <a:prstGeom prst="rect">
+            <a:avLst/>
+          </a:prstGeom>
+          <a:noFill/>
+        </p:spPr>
+        <p:txBody>
+          <a:bodyPr wrap="square" rtlCol="0">
+            <a:spAutoFit/>
+          </a:bodyPr>
+          <a:lstStyle/>
+          <a:p>
+            <a:r>
+              <a:rPr lang="es-MX" dirty="0"/>
+              <a:t>Deflexión de la viga</a:t>
+            </a:r>
+          </a:p>
+        </p:txBody>
+      </p:sp>
+    </p:spTree>
+    <p:extLst>
+      <p:ext uri="{BB962C8B-B14F-4D97-AF65-F5344CB8AC3E}">
+        <p14:creationId xmlns:p14="http://schemas.microsoft.com/office/powerpoint/2010/main" val="1087967439"/>
+      </p:ext>
+    </p:extLst>
+  </p:cSld>
+  <p:clrMapOvr>
+    <a:masterClrMapping/>
+  </p:clrMapOvr>
+</p:sld>
+</file>
+
+<file path=ppt/slides/slide8.xml><?xml version="1.0" encoding="utf-8"?>
 <p:sld xmlns:a="http://schemas.openxmlformats.org/drawingml/2006/main" xmlns:r="http://schemas.openxmlformats.org/officeDocument/2006/relationships" xmlns:p="http://schemas.openxmlformats.org/presentationml/2006/main">
   <p:cSld>
     <p:spTree>
@@ -6215,7 +7033,7 @@
 </p:sld>
 </file>
 
-<file path=ppt/slides/slide5.xml><?xml version="1.0" encoding="utf-8"?>
+<file path=ppt/slides/slide9.xml><?xml version="1.0" encoding="utf-8"?>
 <p:sld xmlns:a="http://schemas.openxmlformats.org/drawingml/2006/main" xmlns:r="http://schemas.openxmlformats.org/officeDocument/2006/relationships" xmlns:p="http://schemas.openxmlformats.org/presentationml/2006/main">
   <p:cSld>
     <p:spTree>
@@ -6267,30 +7085,27 @@
       </p:sp>
       <p:pic>
         <p:nvPicPr>
-          <p:cNvPr id="4" name="Marcador de contenido 3">
+          <p:cNvPr id="6" name="Imagen 5">
             <a:extLst>
               <a:ext uri="{FF2B5EF4-FFF2-40B4-BE49-F238E27FC236}">
-                <a16:creationId xmlns:a16="http://schemas.microsoft.com/office/drawing/2014/main" id="{D4E95239-66E4-4502-9201-2D52E14565F4}"/>
+                <a16:creationId xmlns:a16="http://schemas.microsoft.com/office/drawing/2014/main" id="{F0414FBF-CFB8-46F0-B8F9-B4172F292735}"/>
               </a:ext>
             </a:extLst>
           </p:cNvPr>
           <p:cNvPicPr>
-            <a:picLocks noGrp="1" noChangeAspect="1"/>
+            <a:picLocks noChangeAspect="1"/>
           </p:cNvPicPr>
-          <p:nvPr>
-            <p:ph idx="1"/>
-          </p:nvPr>
+          <p:nvPr/>
         </p:nvPicPr>
-        <p:blipFill>
+        <p:blipFill rotWithShape="1">
           <a:blip r:embed="rId2"/>
-          <a:stretch>
-            <a:fillRect/>
-          </a:stretch>
+          <a:srcRect l="22065" t="23562" r="23913" b="12639"/>
+          <a:stretch/>
         </p:blipFill>
         <p:spPr>
           <a:xfrm>
-            <a:off x="2377440" y="389847"/>
-            <a:ext cx="9580098" cy="6027377"/>
+            <a:off x="1883383" y="318053"/>
+            <a:ext cx="9432000" cy="6262696"/>
           </a:xfrm>
           <a:prstGeom prst="rect">
             <a:avLst/>
@@ -6301,199 +7116,6 @@
     <p:extLst>
       <p:ext uri="{BB962C8B-B14F-4D97-AF65-F5344CB8AC3E}">
         <p14:creationId xmlns:p14="http://schemas.microsoft.com/office/powerpoint/2010/main" val="3494100404"/>
-      </p:ext>
-    </p:extLst>
-  </p:cSld>
-  <p:clrMapOvr>
-    <a:masterClrMapping/>
-  </p:clrMapOvr>
-</p:sld>
-</file>
-
-<file path=ppt/slides/slide6.xml><?xml version="1.0" encoding="utf-8"?>
-<p:sld xmlns:a="http://schemas.openxmlformats.org/drawingml/2006/main" xmlns:r="http://schemas.openxmlformats.org/officeDocument/2006/relationships" xmlns:p="http://schemas.openxmlformats.org/presentationml/2006/main">
-  <p:cSld>
-    <p:spTree>
-      <p:nvGrpSpPr>
-        <p:cNvPr id="1" name=""/>
-        <p:cNvGrpSpPr/>
-        <p:nvPr/>
-      </p:nvGrpSpPr>
-      <p:grpSpPr>
-        <a:xfrm>
-          <a:off x="0" y="0"/>
-          <a:ext cx="0" cy="0"/>
-          <a:chOff x="0" y="0"/>
-          <a:chExt cx="0" cy="0"/>
-        </a:xfrm>
-      </p:grpSpPr>
-      <p:sp>
-        <p:nvSpPr>
-          <p:cNvPr id="2" name="Título 1">
-            <a:extLst>
-              <a:ext uri="{FF2B5EF4-FFF2-40B4-BE49-F238E27FC236}">
-                <a16:creationId xmlns:a16="http://schemas.microsoft.com/office/drawing/2014/main" id="{4FE6F5F0-EEA8-4E6E-824F-1B736B031CC7}"/>
-              </a:ext>
-            </a:extLst>
-          </p:cNvPr>
-          <p:cNvSpPr>
-            <a:spLocks noGrp="1"/>
-          </p:cNvSpPr>
-          <p:nvPr>
-            <p:ph type="title"/>
-          </p:nvPr>
-        </p:nvSpPr>
-        <p:spPr>
-          <a:xfrm>
-            <a:off x="789721" y="0"/>
-            <a:ext cx="9905998" cy="1905000"/>
-          </a:xfrm>
-        </p:spPr>
-        <p:txBody>
-          <a:bodyPr/>
-          <a:lstStyle/>
-          <a:p>
-            <a:r>
-              <a:rPr lang="es-MX" dirty="0"/>
-              <a:t>conclusiones</a:t>
-            </a:r>
-          </a:p>
-        </p:txBody>
-      </p:sp>
-      <p:sp>
-        <p:nvSpPr>
-          <p:cNvPr id="3" name="Marcador de contenido 2">
-            <a:extLst>
-              <a:ext uri="{FF2B5EF4-FFF2-40B4-BE49-F238E27FC236}">
-                <a16:creationId xmlns:a16="http://schemas.microsoft.com/office/drawing/2014/main" id="{1C531B4B-2F8F-475A-A9A6-FB7095E9A46B}"/>
-              </a:ext>
-            </a:extLst>
-          </p:cNvPr>
-          <p:cNvSpPr>
-            <a:spLocks noGrp="1"/>
-          </p:cNvSpPr>
-          <p:nvPr>
-            <p:ph idx="1"/>
-          </p:nvPr>
-        </p:nvSpPr>
-        <p:spPr/>
-        <p:txBody>
-          <a:bodyPr/>
-          <a:lstStyle/>
-          <a:p>
-            <a:endParaRPr lang="es-MX" dirty="0"/>
-          </a:p>
-        </p:txBody>
-      </p:sp>
-    </p:spTree>
-    <p:extLst>
-      <p:ext uri="{BB962C8B-B14F-4D97-AF65-F5344CB8AC3E}">
-        <p14:creationId xmlns:p14="http://schemas.microsoft.com/office/powerpoint/2010/main" val="2086482557"/>
-      </p:ext>
-    </p:extLst>
-  </p:cSld>
-  <p:clrMapOvr>
-    <a:masterClrMapping/>
-  </p:clrMapOvr>
-</p:sld>
-</file>
-
-<file path=ppt/slides/slide7.xml><?xml version="1.0" encoding="utf-8"?>
-<p:sld xmlns:a="http://schemas.openxmlformats.org/drawingml/2006/main" xmlns:r="http://schemas.openxmlformats.org/officeDocument/2006/relationships" xmlns:p="http://schemas.openxmlformats.org/presentationml/2006/main">
-  <p:cSld>
-    <p:spTree>
-      <p:nvGrpSpPr>
-        <p:cNvPr id="1" name=""/>
-        <p:cNvGrpSpPr/>
-        <p:nvPr/>
-      </p:nvGrpSpPr>
-      <p:grpSpPr>
-        <a:xfrm>
-          <a:off x="0" y="0"/>
-          <a:ext cx="0" cy="0"/>
-          <a:chOff x="0" y="0"/>
-          <a:chExt cx="0" cy="0"/>
-        </a:xfrm>
-      </p:grpSpPr>
-      <p:sp>
-        <p:nvSpPr>
-          <p:cNvPr id="2" name="Título 1">
-            <a:extLst>
-              <a:ext uri="{FF2B5EF4-FFF2-40B4-BE49-F238E27FC236}">
-                <a16:creationId xmlns:a16="http://schemas.microsoft.com/office/drawing/2014/main" id="{369F7897-275E-4F87-A86F-9C0406358D64}"/>
-              </a:ext>
-            </a:extLst>
-          </p:cNvPr>
-          <p:cNvSpPr>
-            <a:spLocks noGrp="1"/>
-          </p:cNvSpPr>
-          <p:nvPr>
-            <p:ph type="title"/>
-          </p:nvPr>
-        </p:nvSpPr>
-        <p:spPr/>
-        <p:txBody>
-          <a:bodyPr/>
-          <a:lstStyle/>
-          <a:p>
-            <a:r>
-              <a:rPr lang="es-MX" dirty="0"/>
-              <a:t>referencias</a:t>
-            </a:r>
-          </a:p>
-        </p:txBody>
-      </p:sp>
-      <p:sp>
-        <p:nvSpPr>
-          <p:cNvPr id="3" name="Marcador de contenido 2">
-            <a:extLst>
-              <a:ext uri="{FF2B5EF4-FFF2-40B4-BE49-F238E27FC236}">
-                <a16:creationId xmlns:a16="http://schemas.microsoft.com/office/drawing/2014/main" id="{55401434-5038-499F-A49D-8022C182D155}"/>
-              </a:ext>
-            </a:extLst>
-          </p:cNvPr>
-          <p:cNvSpPr>
-            <a:spLocks noGrp="1"/>
-          </p:cNvSpPr>
-          <p:nvPr>
-            <p:ph idx="1"/>
-          </p:nvPr>
-        </p:nvSpPr>
-        <p:spPr>
-          <a:xfrm>
-            <a:off x="2184558" y="1562100"/>
-            <a:ext cx="7819707" cy="3124201"/>
-          </a:xfrm>
-        </p:spPr>
-        <p:txBody>
-          <a:bodyPr>
-            <a:normAutofit/>
-          </a:bodyPr>
-          <a:lstStyle/>
-          <a:p>
-            <a:r>
-              <a:rPr lang="es-MX" sz="2800" dirty="0" err="1"/>
-              <a:t>Kassimali</a:t>
-            </a:r>
-            <a:r>
-              <a:rPr lang="es-MX" sz="2800" dirty="0"/>
-              <a:t> A. (2014). Análisis estructural (5° Ed). México D.F.: Cengage </a:t>
-            </a:r>
-            <a:r>
-              <a:rPr lang="es-MX" sz="2800" dirty="0" err="1"/>
-              <a:t>Learning</a:t>
-            </a:r>
-            <a:r>
-              <a:rPr lang="es-MX" sz="2800" dirty="0"/>
-              <a:t>.</a:t>
-            </a:r>
-          </a:p>
-        </p:txBody>
-      </p:sp>
-    </p:spTree>
-    <p:extLst>
-      <p:ext uri="{BB962C8B-B14F-4D97-AF65-F5344CB8AC3E}">
-        <p14:creationId xmlns:p14="http://schemas.microsoft.com/office/powerpoint/2010/main" val="2097974283"/>
       </p:ext>
     </p:extLst>
   </p:cSld>

--- a/Proyecto módulo 1.pptx
+++ b/Proyecto módulo 1.pptx
@@ -110,7 +110,16 @@
       </a:defRPr>
     </a:lvl9pPr>
   </p:defaultTextStyle>
+  <p:extLst>
+    <p:ext uri="{EFAFB233-063F-42B5-8137-9DF3F51BA10A}">
+      <p15:sldGuideLst xmlns:p15="http://schemas.microsoft.com/office/powerpoint/2012/main"/>
+    </p:ext>
+  </p:extLst>
 </p:presentation>
+</file>
+
+<file path=ppt/revisionInfo.xml><?xml version="1.0" encoding="utf-8"?>
+<p1510:revInfo xmlns:a="http://schemas.openxmlformats.org/drawingml/2006/main" xmlns:r="http://schemas.openxmlformats.org/officeDocument/2006/relationships" xmlns:p1510="http://schemas.microsoft.com/office/powerpoint/2015/10/main"/>
 </file>
 
 <file path=ppt/slideLayouts/slideLayout1.xml><?xml version="1.0" encoding="utf-8"?>
@@ -326,7 +335,7 @@
           <a:p>
             <a:fld id="{FD289CDF-2F97-4BAB-8D78-9050FD94C3C8}" type="datetimeFigureOut">
               <a:rPr lang="es-MX" smtClean="0"/>
-              <a:t>25/09/2017</a:t>
+              <a:t>26/09/2017</a:t>
             </a:fld>
             <a:endParaRPr lang="es-MX"/>
           </a:p>
@@ -617,7 +626,7 @@
           <a:p>
             <a:fld id="{FD289CDF-2F97-4BAB-8D78-9050FD94C3C8}" type="datetimeFigureOut">
               <a:rPr lang="es-MX" smtClean="0"/>
-              <a:t>25/09/2017</a:t>
+              <a:t>26/09/2017</a:t>
             </a:fld>
             <a:endParaRPr lang="es-MX"/>
           </a:p>
@@ -876,7 +885,7 @@
           <a:p>
             <a:fld id="{FD289CDF-2F97-4BAB-8D78-9050FD94C3C8}" type="datetimeFigureOut">
               <a:rPr lang="es-MX" smtClean="0"/>
-              <a:t>25/09/2017</a:t>
+              <a:t>26/09/2017</a:t>
             </a:fld>
             <a:endParaRPr lang="es-MX"/>
           </a:p>
@@ -1345,7 +1354,7 @@
           <a:p>
             <a:fld id="{FD289CDF-2F97-4BAB-8D78-9050FD94C3C8}" type="datetimeFigureOut">
               <a:rPr lang="es-MX" smtClean="0"/>
-              <a:t>25/09/2017</a:t>
+              <a:t>26/09/2017</a:t>
             </a:fld>
             <a:endParaRPr lang="es-MX"/>
           </a:p>
@@ -1525,7 +1534,7 @@
           <a:p>
             <a:fld id="{FD289CDF-2F97-4BAB-8D78-9050FD94C3C8}" type="datetimeFigureOut">
               <a:rPr lang="es-MX" smtClean="0"/>
-              <a:t>25/09/2017</a:t>
+              <a:t>26/09/2017</a:t>
             </a:fld>
             <a:endParaRPr lang="es-MX"/>
           </a:p>
@@ -2101,7 +2110,7 @@
           <a:p>
             <a:fld id="{FD289CDF-2F97-4BAB-8D78-9050FD94C3C8}" type="datetimeFigureOut">
               <a:rPr lang="es-MX" smtClean="0"/>
-              <a:t>25/09/2017</a:t>
+              <a:t>26/09/2017</a:t>
             </a:fld>
             <a:endParaRPr lang="es-MX"/>
           </a:p>
@@ -2433,7 +2442,7 @@
           <a:p>
             <a:fld id="{FD289CDF-2F97-4BAB-8D78-9050FD94C3C8}" type="datetimeFigureOut">
               <a:rPr lang="es-MX" smtClean="0"/>
-              <a:t>25/09/2017</a:t>
+              <a:t>26/09/2017</a:t>
             </a:fld>
             <a:endParaRPr lang="es-MX"/>
           </a:p>
@@ -2608,7 +2617,7 @@
           <a:p>
             <a:fld id="{FD289CDF-2F97-4BAB-8D78-9050FD94C3C8}" type="datetimeFigureOut">
               <a:rPr lang="es-MX" smtClean="0"/>
-              <a:t>25/09/2017</a:t>
+              <a:t>26/09/2017</a:t>
             </a:fld>
             <a:endParaRPr lang="es-MX"/>
           </a:p>
@@ -2788,7 +2797,7 @@
           <a:p>
             <a:fld id="{FD289CDF-2F97-4BAB-8D78-9050FD94C3C8}" type="datetimeFigureOut">
               <a:rPr lang="es-MX" smtClean="0"/>
-              <a:t>25/09/2017</a:t>
+              <a:t>26/09/2017</a:t>
             </a:fld>
             <a:endParaRPr lang="es-MX"/>
           </a:p>
@@ -2958,7 +2967,7 @@
           <a:p>
             <a:fld id="{FD289CDF-2F97-4BAB-8D78-9050FD94C3C8}" type="datetimeFigureOut">
               <a:rPr lang="es-MX" smtClean="0"/>
-              <a:t>25/09/2017</a:t>
+              <a:t>26/09/2017</a:t>
             </a:fld>
             <a:endParaRPr lang="es-MX"/>
           </a:p>
@@ -3215,7 +3224,7 @@
           <a:p>
             <a:fld id="{FD289CDF-2F97-4BAB-8D78-9050FD94C3C8}" type="datetimeFigureOut">
               <a:rPr lang="es-MX" smtClean="0"/>
-              <a:t>25/09/2017</a:t>
+              <a:t>26/09/2017</a:t>
             </a:fld>
             <a:endParaRPr lang="es-MX"/>
           </a:p>
@@ -3507,7 +3516,7 @@
           <a:p>
             <a:fld id="{FD289CDF-2F97-4BAB-8D78-9050FD94C3C8}" type="datetimeFigureOut">
               <a:rPr lang="es-MX" smtClean="0"/>
-              <a:t>25/09/2017</a:t>
+              <a:t>26/09/2017</a:t>
             </a:fld>
             <a:endParaRPr lang="es-MX"/>
           </a:p>
@@ -3937,7 +3946,7 @@
           <a:p>
             <a:fld id="{FD289CDF-2F97-4BAB-8D78-9050FD94C3C8}" type="datetimeFigureOut">
               <a:rPr lang="es-MX" smtClean="0"/>
-              <a:t>25/09/2017</a:t>
+              <a:t>26/09/2017</a:t>
             </a:fld>
             <a:endParaRPr lang="es-MX"/>
           </a:p>
@@ -4055,7 +4064,7 @@
           <a:p>
             <a:fld id="{FD289CDF-2F97-4BAB-8D78-9050FD94C3C8}" type="datetimeFigureOut">
               <a:rPr lang="es-MX" smtClean="0"/>
-              <a:t>25/09/2017</a:t>
+              <a:t>26/09/2017</a:t>
             </a:fld>
             <a:endParaRPr lang="es-MX"/>
           </a:p>
@@ -4150,7 +4159,7 @@
           <a:p>
             <a:fld id="{FD289CDF-2F97-4BAB-8D78-9050FD94C3C8}" type="datetimeFigureOut">
               <a:rPr lang="es-MX" smtClean="0"/>
-              <a:t>25/09/2017</a:t>
+              <a:t>26/09/2017</a:t>
             </a:fld>
             <a:endParaRPr lang="es-MX"/>
           </a:p>
@@ -4433,7 +4442,7 @@
           <a:p>
             <a:fld id="{FD289CDF-2F97-4BAB-8D78-9050FD94C3C8}" type="datetimeFigureOut">
               <a:rPr lang="es-MX" smtClean="0"/>
-              <a:t>25/09/2017</a:t>
+              <a:t>26/09/2017</a:t>
             </a:fld>
             <a:endParaRPr lang="es-MX"/>
           </a:p>
@@ -4724,7 +4733,7 @@
           <a:p>
             <a:fld id="{FD289CDF-2F97-4BAB-8D78-9050FD94C3C8}" type="datetimeFigureOut">
               <a:rPr lang="es-MX" smtClean="0"/>
-              <a:t>25/09/2017</a:t>
+              <a:t>26/09/2017</a:t>
             </a:fld>
             <a:endParaRPr lang="es-MX"/>
           </a:p>
@@ -4955,7 +4964,7 @@
           <a:p>
             <a:fld id="{FD289CDF-2F97-4BAB-8D78-9050FD94C3C8}" type="datetimeFigureOut">
               <a:rPr lang="es-MX" smtClean="0"/>
-              <a:t>25/09/2017</a:t>
+              <a:t>26/09/2017</a:t>
             </a:fld>
             <a:endParaRPr lang="es-MX"/>
           </a:p>
@@ -5931,24 +5940,61 @@
         </p:nvSpPr>
         <p:spPr/>
         <p:txBody>
-          <a:bodyPr/>
+          <a:bodyPr>
+            <a:normAutofit lnSpcReduction="10000"/>
+          </a:bodyPr>
           <a:lstStyle/>
           <a:p>
             <a:r>
               <a:rPr lang="es-MX" dirty="0"/>
-              <a:t>Objetivo general:</a:t>
-            </a:r>
-          </a:p>
-          <a:p>
+              <a:t>Objetivo general: </a:t>
+            </a:r>
+            <a:r>
+              <a:rPr lang="es-ES" dirty="0"/>
+              <a:t>objetivo principal reside en fomentar la aplicación de la tecnología y la ciencia en beneficio de todos los hombres y de todas las sociedades del mundo.</a:t>
+            </a:r>
             <a:endParaRPr lang="es-MX" dirty="0"/>
           </a:p>
           <a:p>
+            <a:endParaRPr lang="es-MX" dirty="0"/>
+          </a:p>
+          <a:p>
             <a:r>
               <a:rPr lang="es-MX" dirty="0"/>
-              <a:t>Objetivo específico:</a:t>
-            </a:r>
-          </a:p>
-          <a:p>
+              <a:t>Objetivo específico: </a:t>
+            </a:r>
+            <a:r>
+              <a:rPr lang="es-ES" dirty="0"/>
+              <a:t>presentar y profundizar en las aplicaciones que darán resolución a las problemáticas constructivas y urbanas, y permitir así la seguridad y la integridad física, la cual debe garantizarse a todas las personas por igual; utilizando el código </a:t>
+            </a:r>
+            <a:r>
+              <a:rPr lang="es-ES" dirty="0" err="1"/>
+              <a:t>python</a:t>
+            </a:r>
+            <a:r>
+              <a:rPr lang="es-ES" dirty="0"/>
+              <a:t> mediante la plataforma </a:t>
+            </a:r>
+            <a:r>
+              <a:rPr lang="es-ES" dirty="0" err="1"/>
+              <a:t>Jupyter</a:t>
+            </a:r>
+            <a:r>
+              <a:rPr lang="es-ES" dirty="0"/>
+              <a:t> para resolver una problemática común en el ámbito de la </a:t>
+            </a:r>
+            <a:r>
+              <a:rPr lang="es-ES" dirty="0" err="1"/>
+              <a:t>ingenieria</a:t>
+            </a:r>
+            <a:r>
+              <a:rPr lang="es-ES" dirty="0"/>
+              <a:t> civil, el cual consiste en el análisis estructural mediante el momento </a:t>
+            </a:r>
+            <a:r>
+              <a:rPr lang="es-ES" dirty="0" err="1"/>
+              <a:t>flexionante</a:t>
+            </a:r>
             <a:endParaRPr lang="es-MX" dirty="0"/>
           </a:p>
         </p:txBody>
@@ -6381,7 +6427,29 @@
           <a:bodyPr/>
           <a:lstStyle/>
           <a:p>
-            <a:endParaRPr lang="es-MX" dirty="0"/>
+            <a:pPr marL="0" indent="0">
+              <a:buNone/>
+            </a:pPr>
+            <a:r>
+              <a:rPr lang="es-MX" dirty="0"/>
+              <a:t>Después de realizar el presente proyecto podemos retomar la importancia de la implementación de las herramientas para modelar los fenómenos físicos para su mejor análisis y una correcta interpretación. Podemos analizar visualmente a través de la </a:t>
+            </a:r>
+            <a:r>
+              <a:rPr lang="es-MX" dirty="0" err="1"/>
+              <a:t>graficación</a:t>
+            </a:r>
+            <a:r>
+              <a:rPr lang="es-MX" dirty="0"/>
+              <a:t> de la pendiente y la deflexión del elemento estructural analizado, damos constancia del correcto funcionamiento del elemento, comportándose de la manera esperada adecuándose a la curvatura de elasticidad producto del momento </a:t>
+            </a:r>
+            <a:r>
+              <a:rPr lang="es-MX" dirty="0" err="1"/>
+              <a:t>flexionante</a:t>
+            </a:r>
+            <a:r>
+              <a:rPr lang="es-MX" dirty="0"/>
+              <a:t>.</a:t>
+            </a:r>
           </a:p>
         </p:txBody>
       </p:sp>

--- a/Proyecto módulo 1.pptx
+++ b/Proyecto módulo 1.pptx
@@ -6,17 +6,12 @@
   </p:sldMasterIdLst>
   <p:sldIdLst>
     <p:sldId id="256" r:id="rId2"/>
-    <p:sldId id="267" r:id="rId3"/>
-    <p:sldId id="257" r:id="rId4"/>
-    <p:sldId id="263" r:id="rId5"/>
-    <p:sldId id="258" r:id="rId6"/>
-    <p:sldId id="265" r:id="rId7"/>
-    <p:sldId id="264" r:id="rId8"/>
-    <p:sldId id="259" r:id="rId9"/>
-    <p:sldId id="262" r:id="rId10"/>
-    <p:sldId id="266" r:id="rId11"/>
-    <p:sldId id="260" r:id="rId12"/>
-    <p:sldId id="261" r:id="rId13"/>
+    <p:sldId id="257" r:id="rId3"/>
+    <p:sldId id="258" r:id="rId4"/>
+    <p:sldId id="259" r:id="rId5"/>
+    <p:sldId id="262" r:id="rId6"/>
+    <p:sldId id="260" r:id="rId7"/>
+    <p:sldId id="261" r:id="rId8"/>
   </p:sldIdLst>
   <p:sldSz cx="12192000" cy="6858000"/>
   <p:notesSz cx="6858000" cy="9144000"/>
@@ -115,16 +110,7 @@
       </a:defRPr>
     </a:lvl9pPr>
   </p:defaultTextStyle>
-  <p:extLst>
-    <p:ext uri="{EFAFB233-063F-42B5-8137-9DF3F51BA10A}">
-      <p15:sldGuideLst xmlns:p15="http://schemas.microsoft.com/office/powerpoint/2012/main"/>
-    </p:ext>
-  </p:extLst>
 </p:presentation>
-</file>
-
-<file path=ppt/revisionInfo.xml><?xml version="1.0" encoding="utf-8"?>
-<p1510:revInfo xmlns:a="http://schemas.openxmlformats.org/drawingml/2006/main" xmlns:r="http://schemas.openxmlformats.org/officeDocument/2006/relationships" xmlns:p1510="http://schemas.microsoft.com/office/powerpoint/2015/10/main"/>
 </file>
 
 <file path=ppt/slideLayouts/slideLayout1.xml><?xml version="1.0" encoding="utf-8"?>
@@ -5820,15 +5806,48 @@
               <a:rPr lang="es-MX" dirty="0">
                 <a:effectLst/>
               </a:rPr>
-              <a:t>Jorge Diego Sayavedra Godínez</a:t>
-            </a:r>
-          </a:p>
-          <a:p>
+              <a:t>Jorge Diego </a:t>
+            </a:r>
+            <a:r>
+              <a:rPr lang="es-MX" dirty="0" err="1">
+                <a:effectLst/>
+              </a:rPr>
+              <a:t>Sayavedra</a:t>
+            </a:r>
             <a:r>
               <a:rPr lang="es-MX" dirty="0">
                 <a:effectLst/>
               </a:rPr>
-              <a:t>Carlos Adrián Tinajero Velazco</a:t>
+              <a:t> </a:t>
+            </a:r>
+            <a:r>
+              <a:rPr lang="es-MX" dirty="0" err="1">
+                <a:effectLst/>
+              </a:rPr>
+              <a:t>Godinez</a:t>
+            </a:r>
+            <a:endParaRPr lang="es-MX" dirty="0">
+              <a:effectLst/>
+            </a:endParaRPr>
+          </a:p>
+          <a:p>
+            <a:r>
+              <a:rPr lang="es-MX" dirty="0">
+                <a:effectLst/>
+              </a:rPr>
+              <a:t>Carlos </a:t>
+            </a:r>
+            <a:r>
+              <a:rPr lang="es-MX" dirty="0" err="1">
+                <a:effectLst/>
+              </a:rPr>
+              <a:t>Adrian</a:t>
+            </a:r>
+            <a:r>
+              <a:rPr lang="es-MX" dirty="0">
+                <a:effectLst/>
+              </a:rPr>
+              <a:t> Tinajero Velazco</a:t>
             </a:r>
           </a:p>
           <a:p>
@@ -5840,324 +5859,6 @@
     <p:extLst>
       <p:ext uri="{BB962C8B-B14F-4D97-AF65-F5344CB8AC3E}">
         <p14:creationId xmlns:p14="http://schemas.microsoft.com/office/powerpoint/2010/main" val="147416279"/>
-      </p:ext>
-    </p:extLst>
-  </p:cSld>
-  <p:clrMapOvr>
-    <a:masterClrMapping/>
-  </p:clrMapOvr>
-</p:sld>
-</file>
-
-<file path=ppt/slides/slide10.xml><?xml version="1.0" encoding="utf-8"?>
-<p:sld xmlns:a="http://schemas.openxmlformats.org/drawingml/2006/main" xmlns:r="http://schemas.openxmlformats.org/officeDocument/2006/relationships" xmlns:p="http://schemas.openxmlformats.org/presentationml/2006/main">
-  <p:cSld>
-    <p:spTree>
-      <p:nvGrpSpPr>
-        <p:cNvPr id="1" name=""/>
-        <p:cNvGrpSpPr/>
-        <p:nvPr/>
-      </p:nvGrpSpPr>
-      <p:grpSpPr>
-        <a:xfrm>
-          <a:off x="0" y="0"/>
-          <a:ext cx="0" cy="0"/>
-          <a:chOff x="0" y="0"/>
-          <a:chExt cx="0" cy="0"/>
-        </a:xfrm>
-      </p:grpSpPr>
-      <p:pic>
-        <p:nvPicPr>
-          <p:cNvPr id="2050" name="Picture 2" descr="Imagen relacionada">
-            <a:extLst>
-              <a:ext uri="{FF2B5EF4-FFF2-40B4-BE49-F238E27FC236}">
-                <a16:creationId xmlns:a16="http://schemas.microsoft.com/office/drawing/2014/main" id="{9D7E75BC-8B1C-4CA2-8532-63BCFA4433A3}"/>
-              </a:ext>
-            </a:extLst>
-          </p:cNvPr>
-          <p:cNvPicPr>
-            <a:picLocks noChangeAspect="1" noChangeArrowheads="1"/>
-          </p:cNvPicPr>
-          <p:nvPr/>
-        </p:nvPicPr>
-        <p:blipFill>
-          <a:blip r:embed="rId2">
-            <a:extLst>
-              <a:ext uri="{28A0092B-C50C-407E-A947-70E740481C1C}">
-                <a14:useLocalDpi xmlns:a14="http://schemas.microsoft.com/office/drawing/2010/main" val="0"/>
-              </a:ext>
-            </a:extLst>
-          </a:blip>
-          <a:srcRect/>
-          <a:stretch>
-            <a:fillRect/>
-          </a:stretch>
-        </p:blipFill>
-        <p:spPr bwMode="auto">
-          <a:xfrm>
-            <a:off x="760343" y="619332"/>
-            <a:ext cx="10788590" cy="5304390"/>
-          </a:xfrm>
-          <a:prstGeom prst="rect">
-            <a:avLst/>
-          </a:prstGeom>
-          <a:ln>
-            <a:noFill/>
-          </a:ln>
-          <a:effectLst>
-            <a:softEdge rad="112500"/>
-          </a:effectLst>
-          <a:extLst>
-            <a:ext uri="{909E8E84-426E-40DD-AFC4-6F175D3DCCD1}">
-              <a14:hiddenFill xmlns:a14="http://schemas.microsoft.com/office/drawing/2010/main">
-                <a:solidFill>
-                  <a:srgbClr val="FFFFFF"/>
-                </a:solidFill>
-              </a14:hiddenFill>
-            </a:ext>
-          </a:extLst>
-        </p:spPr>
-      </p:pic>
-    </p:spTree>
-    <p:extLst>
-      <p:ext uri="{BB962C8B-B14F-4D97-AF65-F5344CB8AC3E}">
-        <p14:creationId xmlns:p14="http://schemas.microsoft.com/office/powerpoint/2010/main" val="667765937"/>
-      </p:ext>
-    </p:extLst>
-  </p:cSld>
-  <p:clrMapOvr>
-    <a:masterClrMapping/>
-  </p:clrMapOvr>
-</p:sld>
-</file>
-
-<file path=ppt/slides/slide11.xml><?xml version="1.0" encoding="utf-8"?>
-<p:sld xmlns:a="http://schemas.openxmlformats.org/drawingml/2006/main" xmlns:r="http://schemas.openxmlformats.org/officeDocument/2006/relationships" xmlns:p="http://schemas.openxmlformats.org/presentationml/2006/main">
-  <p:cSld>
-    <p:spTree>
-      <p:nvGrpSpPr>
-        <p:cNvPr id="1" name=""/>
-        <p:cNvGrpSpPr/>
-        <p:nvPr/>
-      </p:nvGrpSpPr>
-      <p:grpSpPr>
-        <a:xfrm>
-          <a:off x="0" y="0"/>
-          <a:ext cx="0" cy="0"/>
-          <a:chOff x="0" y="0"/>
-          <a:chExt cx="0" cy="0"/>
-        </a:xfrm>
-      </p:grpSpPr>
-      <p:sp>
-        <p:nvSpPr>
-          <p:cNvPr id="2" name="Título 1">
-            <a:extLst>
-              <a:ext uri="{FF2B5EF4-FFF2-40B4-BE49-F238E27FC236}">
-                <a16:creationId xmlns:a16="http://schemas.microsoft.com/office/drawing/2014/main" id="{4FE6F5F0-EEA8-4E6E-824F-1B736B031CC7}"/>
-              </a:ext>
-            </a:extLst>
-          </p:cNvPr>
-          <p:cNvSpPr>
-            <a:spLocks noGrp="1"/>
-          </p:cNvSpPr>
-          <p:nvPr>
-            <p:ph type="title"/>
-          </p:nvPr>
-        </p:nvSpPr>
-        <p:spPr>
-          <a:xfrm>
-            <a:off x="789721" y="0"/>
-            <a:ext cx="9905998" cy="1905000"/>
-          </a:xfrm>
-        </p:spPr>
-        <p:txBody>
-          <a:bodyPr/>
-          <a:lstStyle/>
-          <a:p>
-            <a:r>
-              <a:rPr lang="es-MX" dirty="0"/>
-              <a:t>conclusiones</a:t>
-            </a:r>
-          </a:p>
-        </p:txBody>
-      </p:sp>
-      <p:sp>
-        <p:nvSpPr>
-          <p:cNvPr id="3" name="Marcador de contenido 2">
-            <a:extLst>
-              <a:ext uri="{FF2B5EF4-FFF2-40B4-BE49-F238E27FC236}">
-                <a16:creationId xmlns:a16="http://schemas.microsoft.com/office/drawing/2014/main" id="{1C531B4B-2F8F-475A-A9A6-FB7095E9A46B}"/>
-              </a:ext>
-            </a:extLst>
-          </p:cNvPr>
-          <p:cNvSpPr>
-            <a:spLocks noGrp="1"/>
-          </p:cNvSpPr>
-          <p:nvPr>
-            <p:ph idx="1"/>
-          </p:nvPr>
-        </p:nvSpPr>
-        <p:spPr>
-          <a:xfrm>
-            <a:off x="1141413" y="1351722"/>
-            <a:ext cx="9905998" cy="5049077"/>
-          </a:xfrm>
-        </p:spPr>
-        <p:txBody>
-          <a:bodyPr>
-            <a:normAutofit fontScale="92500" lnSpcReduction="20000"/>
-          </a:bodyPr>
-          <a:lstStyle/>
-          <a:p>
-            <a:r>
-              <a:rPr lang="es-MX" dirty="0">
-                <a:effectLst/>
-              </a:rPr>
-              <a:t>Los modelos que permiten representar esta clase de fenómenos en el ámbito de la ingeniería son aparentemente sencillos y pueden transformarse a sistemas de ecuaciones no diferenciales; pero siguen partiendo de la base de las mismas.</a:t>
-            </a:r>
-          </a:p>
-          <a:p>
-            <a:r>
-              <a:rPr lang="es-MX" dirty="0">
-                <a:effectLst/>
-              </a:rPr>
-              <a:t>Una viga simple sometida a esta clase de esfuerzos se comienza a flexionar de manera cóncava y </a:t>
-            </a:r>
-            <a:r>
-              <a:rPr lang="es-MX" b="1" dirty="0">
-                <a:effectLst/>
-              </a:rPr>
-              <a:t>a medida que la fuerza se aplica en el punto más alejado respecto al punto de apoyo de la viga, ésta sufre una deformación más extrema.</a:t>
-            </a:r>
-            <a:r>
-              <a:rPr lang="es-MX" dirty="0">
-                <a:effectLst/>
-              </a:rPr>
-              <a:t> Por lo que, en función de las características físicas propias de la viga en cuestión, puede llegar el momento en que no soporte la tensión y sufra de un desgarramiento.</a:t>
-            </a:r>
-          </a:p>
-          <a:p>
-            <a:r>
-              <a:rPr lang="es-MX" dirty="0">
-                <a:effectLst/>
-              </a:rPr>
-              <a:t>Finalmente, en lo que se refiere a la importancia de la solución de este tipo de problemas dentro del campo de acción de la Ingeniería Civil, resulta evidente que tomar en cuenta estas propiedades, no solo de vigas sino de todo elemento estructural que deba soportar esfuerzos de esta naturaleza, es imperioso para poder lograr que el diseño propuesto por el ingeniero sea óptimo para resistir las fuerzas que experimentará a lo largo de su vida útil. Esta responsabilidad se hace aún más evidente en estos tiempos, cuando los recientes sismos en nuestro país nos recuerdan que </a:t>
-            </a:r>
-            <a:r>
-              <a:rPr lang="es-MX" b="1" dirty="0">
-                <a:effectLst/>
-              </a:rPr>
-              <a:t>el hacer caso omiso de esta clase de comportamientos naturales puede ser la diferencia entre la vida y la muerte de todos aquellos quienes usarán las edificaciones que nosotros diseñemos.</a:t>
-            </a:r>
-            <a:r>
-              <a:rPr lang="es-MX" dirty="0">
-                <a:effectLst/>
-              </a:rPr>
-              <a:t> Es una responsabilidad demasiado grande como para dejar que sea hecho a la ligera.</a:t>
-            </a:r>
-          </a:p>
-          <a:p>
-            <a:endParaRPr lang="es-MX" dirty="0"/>
-          </a:p>
-        </p:txBody>
-      </p:sp>
-    </p:spTree>
-    <p:extLst>
-      <p:ext uri="{BB962C8B-B14F-4D97-AF65-F5344CB8AC3E}">
-        <p14:creationId xmlns:p14="http://schemas.microsoft.com/office/powerpoint/2010/main" val="2086482557"/>
-      </p:ext>
-    </p:extLst>
-  </p:cSld>
-  <p:clrMapOvr>
-    <a:masterClrMapping/>
-  </p:clrMapOvr>
-</p:sld>
-</file>
-
-<file path=ppt/slides/slide12.xml><?xml version="1.0" encoding="utf-8"?>
-<p:sld xmlns:a="http://schemas.openxmlformats.org/drawingml/2006/main" xmlns:r="http://schemas.openxmlformats.org/officeDocument/2006/relationships" xmlns:p="http://schemas.openxmlformats.org/presentationml/2006/main">
-  <p:cSld>
-    <p:spTree>
-      <p:nvGrpSpPr>
-        <p:cNvPr id="1" name=""/>
-        <p:cNvGrpSpPr/>
-        <p:nvPr/>
-      </p:nvGrpSpPr>
-      <p:grpSpPr>
-        <a:xfrm>
-          <a:off x="0" y="0"/>
-          <a:ext cx="0" cy="0"/>
-          <a:chOff x="0" y="0"/>
-          <a:chExt cx="0" cy="0"/>
-        </a:xfrm>
-      </p:grpSpPr>
-      <p:sp>
-        <p:nvSpPr>
-          <p:cNvPr id="2" name="Título 1">
-            <a:extLst>
-              <a:ext uri="{FF2B5EF4-FFF2-40B4-BE49-F238E27FC236}">
-                <a16:creationId xmlns:a16="http://schemas.microsoft.com/office/drawing/2014/main" id="{369F7897-275E-4F87-A86F-9C0406358D64}"/>
-              </a:ext>
-            </a:extLst>
-          </p:cNvPr>
-          <p:cNvSpPr>
-            <a:spLocks noGrp="1"/>
-          </p:cNvSpPr>
-          <p:nvPr>
-            <p:ph type="title"/>
-          </p:nvPr>
-        </p:nvSpPr>
-        <p:spPr/>
-        <p:txBody>
-          <a:bodyPr/>
-          <a:lstStyle/>
-          <a:p>
-            <a:r>
-              <a:rPr lang="es-MX" dirty="0"/>
-              <a:t>referencias</a:t>
-            </a:r>
-          </a:p>
-        </p:txBody>
-      </p:sp>
-      <p:sp>
-        <p:nvSpPr>
-          <p:cNvPr id="3" name="Marcador de contenido 2">
-            <a:extLst>
-              <a:ext uri="{FF2B5EF4-FFF2-40B4-BE49-F238E27FC236}">
-                <a16:creationId xmlns:a16="http://schemas.microsoft.com/office/drawing/2014/main" id="{55401434-5038-499F-A49D-8022C182D155}"/>
-              </a:ext>
-            </a:extLst>
-          </p:cNvPr>
-          <p:cNvSpPr>
-            <a:spLocks noGrp="1"/>
-          </p:cNvSpPr>
-          <p:nvPr>
-            <p:ph idx="1"/>
-          </p:nvPr>
-        </p:nvSpPr>
-        <p:spPr>
-          <a:xfrm>
-            <a:off x="2184558" y="1562100"/>
-            <a:ext cx="7819707" cy="3124201"/>
-          </a:xfrm>
-        </p:spPr>
-        <p:txBody>
-          <a:bodyPr>
-            <a:normAutofit/>
-          </a:bodyPr>
-          <a:lstStyle/>
-          <a:p>
-            <a:r>
-              <a:rPr lang="es-MX" sz="2800" dirty="0"/>
-              <a:t>Kassimali A. (2014). Análisis estructural (5° Ed). México D.F.: Cengage Learning.</a:t>
-            </a:r>
-          </a:p>
-        </p:txBody>
-      </p:sp>
-    </p:spTree>
-    <p:extLst>
-      <p:ext uri="{BB962C8B-B14F-4D97-AF65-F5344CB8AC3E}">
-        <p14:creationId xmlns:p14="http://schemas.microsoft.com/office/powerpoint/2010/main" val="2097974283"/>
       </p:ext>
     </p:extLst>
   </p:cSld>
@@ -6189,7 +5890,7 @@
           <p:cNvPr id="2" name="Título 1">
             <a:extLst>
               <a:ext uri="{FF2B5EF4-FFF2-40B4-BE49-F238E27FC236}">
-                <a16:creationId xmlns:a16="http://schemas.microsoft.com/office/drawing/2014/main" id="{E9D5BB30-E6D5-4E55-936D-4D28F8A2DE39}"/>
+                <a16:creationId xmlns:a16="http://schemas.microsoft.com/office/drawing/2014/main" id="{5C3F16DA-5B32-4168-8DD0-1497F3B745DF}"/>
               </a:ext>
             </a:extLst>
           </p:cNvPr>
@@ -6207,7 +5908,7 @@
           <a:p>
             <a:r>
               <a:rPr lang="es-MX" dirty="0"/>
-              <a:t>Tabla de contenido	</a:t>
+              <a:t>Objetivo</a:t>
             </a:r>
           </a:p>
         </p:txBody>
@@ -6217,7 +5918,7 @@
           <p:cNvPr id="3" name="Marcador de contenido 2">
             <a:extLst>
               <a:ext uri="{FF2B5EF4-FFF2-40B4-BE49-F238E27FC236}">
-                <a16:creationId xmlns:a16="http://schemas.microsoft.com/office/drawing/2014/main" id="{2FFE1002-B016-4430-8ECE-ABBE54777C07}"/>
+                <a16:creationId xmlns:a16="http://schemas.microsoft.com/office/drawing/2014/main" id="{1CB2E514-31B5-466C-9D2B-80C876D72099}"/>
               </a:ext>
             </a:extLst>
           </p:cNvPr>
@@ -6228,55 +5929,23 @@
             <p:ph idx="1"/>
           </p:nvPr>
         </p:nvSpPr>
-        <p:spPr>
-          <a:xfrm>
-            <a:off x="1141413" y="2226365"/>
-            <a:ext cx="9905998" cy="3869635"/>
-          </a:xfrm>
-        </p:spPr>
+        <p:spPr/>
         <p:txBody>
           <a:bodyPr/>
           <a:lstStyle/>
           <a:p>
             <a:r>
               <a:rPr lang="es-MX" dirty="0"/>
-              <a:t>Objetivo general</a:t>
-            </a:r>
+              <a:t>Objetivo general:</a:t>
+            </a:r>
+          </a:p>
+          <a:p>
+            <a:endParaRPr lang="es-MX" dirty="0"/>
           </a:p>
           <a:p>
             <a:r>
               <a:rPr lang="es-MX" dirty="0"/>
-              <a:t>Objetivos específicos</a:t>
-            </a:r>
-          </a:p>
-          <a:p>
-            <a:r>
-              <a:rPr lang="es-MX" dirty="0"/>
-              <a:t>Modelo representado</a:t>
-            </a:r>
-          </a:p>
-          <a:p>
-            <a:r>
-              <a:rPr lang="es-MX" dirty="0"/>
-              <a:t>Fórmulas</a:t>
-            </a:r>
-          </a:p>
-          <a:p>
-            <a:r>
-              <a:rPr lang="es-MX" dirty="0"/>
-              <a:t>Simulaciones</a:t>
-            </a:r>
-          </a:p>
-          <a:p>
-            <a:r>
-              <a:rPr lang="es-MX" dirty="0"/>
-              <a:t>Conclusiones</a:t>
-            </a:r>
-          </a:p>
-          <a:p>
-            <a:r>
-              <a:rPr lang="es-MX" dirty="0"/>
-              <a:t>referencias</a:t>
+              <a:t>Objetivo específico:</a:t>
             </a:r>
           </a:p>
           <a:p>
@@ -6287,7 +5956,7 @@
     </p:spTree>
     <p:extLst>
       <p:ext uri="{BB962C8B-B14F-4D97-AF65-F5344CB8AC3E}">
-        <p14:creationId xmlns:p14="http://schemas.microsoft.com/office/powerpoint/2010/main" val="2876697621"/>
+        <p14:creationId xmlns:p14="http://schemas.microsoft.com/office/powerpoint/2010/main" val="3971147875"/>
       </p:ext>
     </p:extLst>
   </p:cSld>
@@ -6319,231 +5988,6 @@
           <p:cNvPr id="2" name="Título 1">
             <a:extLst>
               <a:ext uri="{FF2B5EF4-FFF2-40B4-BE49-F238E27FC236}">
-                <a16:creationId xmlns:a16="http://schemas.microsoft.com/office/drawing/2014/main" id="{5C3F16DA-5B32-4168-8DD0-1497F3B745DF}"/>
-              </a:ext>
-            </a:extLst>
-          </p:cNvPr>
-          <p:cNvSpPr>
-            <a:spLocks noGrp="1"/>
-          </p:cNvSpPr>
-          <p:nvPr>
-            <p:ph type="title"/>
-          </p:nvPr>
-        </p:nvSpPr>
-        <p:spPr/>
-        <p:txBody>
-          <a:bodyPr/>
-          <a:lstStyle/>
-          <a:p>
-            <a:r>
-              <a:rPr lang="es-MX" dirty="0"/>
-              <a:t>Objetivo general</a:t>
-            </a:r>
-          </a:p>
-        </p:txBody>
-      </p:sp>
-      <p:sp>
-        <p:nvSpPr>
-          <p:cNvPr id="3" name="Marcador de contenido 2">
-            <a:extLst>
-              <a:ext uri="{FF2B5EF4-FFF2-40B4-BE49-F238E27FC236}">
-                <a16:creationId xmlns:a16="http://schemas.microsoft.com/office/drawing/2014/main" id="{1CB2E514-31B5-466C-9D2B-80C876D72099}"/>
-              </a:ext>
-            </a:extLst>
-          </p:cNvPr>
-          <p:cNvSpPr>
-            <a:spLocks noGrp="1"/>
-          </p:cNvSpPr>
-          <p:nvPr>
-            <p:ph idx="1"/>
-          </p:nvPr>
-        </p:nvSpPr>
-        <p:spPr/>
-        <p:txBody>
-          <a:bodyPr/>
-          <a:lstStyle/>
-          <a:p>
-            <a:pPr marL="0" indent="0">
-              <a:buNone/>
-            </a:pPr>
-            <a:r>
-              <a:rPr lang="es-MX" dirty="0">
-                <a:effectLst/>
-              </a:rPr>
-              <a:t>Determinar de qué manera una viga simple apoyada en un punto A se deforma cuando se somete a un esfuerzo P en el extremo contrario al cual en el que se apoya.</a:t>
-            </a:r>
-            <a:endParaRPr lang="es-MX" dirty="0"/>
-          </a:p>
-          <a:p>
-            <a:endParaRPr lang="es-MX" dirty="0"/>
-          </a:p>
-          <a:p>
-            <a:endParaRPr lang="es-MX" dirty="0"/>
-          </a:p>
-        </p:txBody>
-      </p:sp>
-    </p:spTree>
-    <p:extLst>
-      <p:ext uri="{BB962C8B-B14F-4D97-AF65-F5344CB8AC3E}">
-        <p14:creationId xmlns:p14="http://schemas.microsoft.com/office/powerpoint/2010/main" val="3971147875"/>
-      </p:ext>
-    </p:extLst>
-  </p:cSld>
-  <p:clrMapOvr>
-    <a:masterClrMapping/>
-  </p:clrMapOvr>
-</p:sld>
-</file>
-
-<file path=ppt/slides/slide4.xml><?xml version="1.0" encoding="utf-8"?>
-<p:sld xmlns:a="http://schemas.openxmlformats.org/drawingml/2006/main" xmlns:r="http://schemas.openxmlformats.org/officeDocument/2006/relationships" xmlns:p="http://schemas.openxmlformats.org/presentationml/2006/main">
-  <p:cSld>
-    <p:spTree>
-      <p:nvGrpSpPr>
-        <p:cNvPr id="1" name=""/>
-        <p:cNvGrpSpPr/>
-        <p:nvPr/>
-      </p:nvGrpSpPr>
-      <p:grpSpPr>
-        <a:xfrm>
-          <a:off x="0" y="0"/>
-          <a:ext cx="0" cy="0"/>
-          <a:chOff x="0" y="0"/>
-          <a:chExt cx="0" cy="0"/>
-        </a:xfrm>
-      </p:grpSpPr>
-      <p:sp>
-        <p:nvSpPr>
-          <p:cNvPr id="2" name="Título 1">
-            <a:extLst>
-              <a:ext uri="{FF2B5EF4-FFF2-40B4-BE49-F238E27FC236}">
-                <a16:creationId xmlns:a16="http://schemas.microsoft.com/office/drawing/2014/main" id="{12606329-39DB-4861-B903-3D021904422A}"/>
-              </a:ext>
-            </a:extLst>
-          </p:cNvPr>
-          <p:cNvSpPr>
-            <a:spLocks noGrp="1"/>
-          </p:cNvSpPr>
-          <p:nvPr>
-            <p:ph type="title"/>
-          </p:nvPr>
-        </p:nvSpPr>
-        <p:spPr/>
-        <p:txBody>
-          <a:bodyPr/>
-          <a:lstStyle/>
-          <a:p>
-            <a:r>
-              <a:rPr lang="es-MX" dirty="0"/>
-              <a:t>Objetivos específicos:</a:t>
-            </a:r>
-            <a:br>
-              <a:rPr lang="es-MX" dirty="0"/>
-            </a:br>
-            <a:endParaRPr lang="es-MX" dirty="0"/>
-          </a:p>
-        </p:txBody>
-      </p:sp>
-      <p:sp>
-        <p:nvSpPr>
-          <p:cNvPr id="3" name="Marcador de contenido 2">
-            <a:extLst>
-              <a:ext uri="{FF2B5EF4-FFF2-40B4-BE49-F238E27FC236}">
-                <a16:creationId xmlns:a16="http://schemas.microsoft.com/office/drawing/2014/main" id="{A3D70703-23A8-4FCB-800E-640F4DC3A3FC}"/>
-              </a:ext>
-            </a:extLst>
-          </p:cNvPr>
-          <p:cNvSpPr>
-            <a:spLocks noGrp="1"/>
-          </p:cNvSpPr>
-          <p:nvPr>
-            <p:ph idx="1"/>
-          </p:nvPr>
-        </p:nvSpPr>
-        <p:spPr>
-          <a:xfrm>
-            <a:off x="1141413" y="2319131"/>
-            <a:ext cx="9905998" cy="3472070"/>
-          </a:xfrm>
-        </p:spPr>
-        <p:txBody>
-          <a:bodyPr/>
-          <a:lstStyle/>
-          <a:p>
-            <a:r>
-              <a:rPr lang="es-MX" dirty="0">
-                <a:effectLst/>
-              </a:rPr>
-              <a:t>Hallar una expresión matemática, en forma de ecuación diferencial, que nos permita analizar y simular el comportamiento de una viga sometida a esfuerzos.</a:t>
-            </a:r>
-          </a:p>
-          <a:p>
-            <a:r>
-              <a:rPr lang="es-MX" dirty="0">
-                <a:effectLst/>
-              </a:rPr>
-              <a:t>Definir qué importancia tiene esta clase de aplicaciones en el campo de la Ingeniería Civil.</a:t>
-            </a:r>
-          </a:p>
-          <a:p>
-            <a:r>
-              <a:rPr lang="es-MX" dirty="0">
-                <a:effectLst/>
-              </a:rPr>
-              <a:t>Simular el comportamiento de una viga particular dadas las condiciones propuestas por el modelo matemático.</a:t>
-            </a:r>
-          </a:p>
-          <a:p>
-            <a:r>
-              <a:rPr lang="es-MX" dirty="0">
-                <a:effectLst/>
-              </a:rPr>
-              <a:t>Graficar y hallar los resultados numéricos que solucionan el modelaje del comportamiento de la viga.</a:t>
-            </a:r>
-          </a:p>
-          <a:p>
-            <a:pPr marL="0" indent="0">
-              <a:buNone/>
-            </a:pPr>
-            <a:endParaRPr lang="es-MX" dirty="0"/>
-          </a:p>
-        </p:txBody>
-      </p:sp>
-    </p:spTree>
-    <p:extLst>
-      <p:ext uri="{BB962C8B-B14F-4D97-AF65-F5344CB8AC3E}">
-        <p14:creationId xmlns:p14="http://schemas.microsoft.com/office/powerpoint/2010/main" val="846856468"/>
-      </p:ext>
-    </p:extLst>
-  </p:cSld>
-  <p:clrMapOvr>
-    <a:masterClrMapping/>
-  </p:clrMapOvr>
-</p:sld>
-</file>
-
-<file path=ppt/slides/slide5.xml><?xml version="1.0" encoding="utf-8"?>
-<p:sld xmlns:a="http://schemas.openxmlformats.org/drawingml/2006/main" xmlns:r="http://schemas.openxmlformats.org/officeDocument/2006/relationships" xmlns:p="http://schemas.openxmlformats.org/presentationml/2006/main">
-  <p:cSld>
-    <p:spTree>
-      <p:nvGrpSpPr>
-        <p:cNvPr id="1" name=""/>
-        <p:cNvGrpSpPr/>
-        <p:nvPr/>
-      </p:nvGrpSpPr>
-      <p:grpSpPr>
-        <a:xfrm>
-          <a:off x="0" y="0"/>
-          <a:ext cx="0" cy="0"/>
-          <a:chOff x="0" y="0"/>
-          <a:chExt cx="0" cy="0"/>
-        </a:xfrm>
-      </p:grpSpPr>
-      <p:sp>
-        <p:nvSpPr>
-          <p:cNvPr id="2" name="Título 1">
-            <a:extLst>
-              <a:ext uri="{FF2B5EF4-FFF2-40B4-BE49-F238E27FC236}">
                 <a16:creationId xmlns:a16="http://schemas.microsoft.com/office/drawing/2014/main" id="{2DCFEB57-8C0B-471D-967D-824477EFC50E}"/>
               </a:ext>
             </a:extLst>
@@ -6593,9 +6037,6 @@
           <a:bodyPr/>
           <a:lstStyle/>
           <a:p>
-            <a:pPr marL="0" indent="0" algn="just">
-              <a:buNone/>
-            </a:pPr>
             <a:r>
               <a:rPr lang="es-MX" dirty="0"/>
               <a:t>En esta ocasión nosotros definiremos una problemática conforme a una viga de 20 pies de longitud que se le aplica un momento en una fuerza de 15k en uno de sus extremos y nuestra labor es determinar </a:t>
@@ -6604,7 +6045,31 @@
               <a:rPr lang="es-MX" dirty="0">
                 <a:effectLst/>
               </a:rPr>
-              <a:t>la pendiente y la deflexión conforme a la fuerza aplicada en el punto B de la viga en cantiliver por le método directo que está en la imagen</a:t>
+              <a:t>la pendiente y la deflexión </a:t>
+            </a:r>
+            <a:r>
+              <a:rPr lang="es-MX" dirty="0" err="1">
+                <a:effectLst/>
+              </a:rPr>
+              <a:t>conformela</a:t>
+            </a:r>
+            <a:r>
+              <a:rPr lang="es-MX" dirty="0">
+                <a:effectLst/>
+              </a:rPr>
+              <a:t> fuerza aplicada en el punto B de la viga en </a:t>
+            </a:r>
+            <a:r>
+              <a:rPr lang="es-MX" dirty="0" err="1">
+                <a:effectLst/>
+              </a:rPr>
+              <a:t>cantiliver</a:t>
+            </a:r>
+            <a:r>
+              <a:rPr lang="es-MX" dirty="0">
+                <a:effectLst/>
+              </a:rPr>
+              <a:t> por le método directo que está en la imagen</a:t>
             </a:r>
           </a:p>
           <a:p>
@@ -6655,290 +6120,7 @@
 </p:sld>
 </file>
 
-<file path=ppt/slides/slide6.xml><?xml version="1.0" encoding="utf-8"?>
-<p:sld xmlns:a="http://schemas.openxmlformats.org/drawingml/2006/main" xmlns:r="http://schemas.openxmlformats.org/officeDocument/2006/relationships" xmlns:p="http://schemas.openxmlformats.org/presentationml/2006/main">
-  <p:cSld>
-    <p:spTree>
-      <p:nvGrpSpPr>
-        <p:cNvPr id="1" name=""/>
-        <p:cNvGrpSpPr/>
-        <p:nvPr/>
-      </p:nvGrpSpPr>
-      <p:grpSpPr>
-        <a:xfrm>
-          <a:off x="0" y="0"/>
-          <a:ext cx="0" cy="0"/>
-          <a:chOff x="0" y="0"/>
-          <a:chExt cx="0" cy="0"/>
-        </a:xfrm>
-      </p:grpSpPr>
-      <p:pic>
-        <p:nvPicPr>
-          <p:cNvPr id="2" name="Imagen 1">
-            <a:extLst>
-              <a:ext uri="{FF2B5EF4-FFF2-40B4-BE49-F238E27FC236}">
-                <a16:creationId xmlns:a16="http://schemas.microsoft.com/office/drawing/2014/main" id="{3D7D5B01-2F19-431B-A27F-B1A00B1AE4A8}"/>
-              </a:ext>
-            </a:extLst>
-          </p:cNvPr>
-          <p:cNvPicPr>
-            <a:picLocks noChangeAspect="1"/>
-          </p:cNvPicPr>
-          <p:nvPr/>
-        </p:nvPicPr>
-        <p:blipFill>
-          <a:blip r:embed="rId2"/>
-          <a:stretch>
-            <a:fillRect/>
-          </a:stretch>
-        </p:blipFill>
-        <p:spPr>
-          <a:xfrm>
-            <a:off x="862634" y="437529"/>
-            <a:ext cx="5047836" cy="6272896"/>
-          </a:xfrm>
-          <a:prstGeom prst="rect">
-            <a:avLst/>
-          </a:prstGeom>
-        </p:spPr>
-      </p:pic>
-      <p:sp>
-        <p:nvSpPr>
-          <p:cNvPr id="3" name="CuadroTexto 2">
-            <a:extLst>
-              <a:ext uri="{FF2B5EF4-FFF2-40B4-BE49-F238E27FC236}">
-                <a16:creationId xmlns:a16="http://schemas.microsoft.com/office/drawing/2014/main" id="{2FFC8645-A915-4544-9598-500710A0D260}"/>
-              </a:ext>
-            </a:extLst>
-          </p:cNvPr>
-          <p:cNvSpPr txBox="1"/>
-          <p:nvPr/>
-        </p:nvSpPr>
-        <p:spPr>
-          <a:xfrm>
-            <a:off x="5910470" y="675861"/>
-            <a:ext cx="4267200" cy="369332"/>
-          </a:xfrm>
-          <a:prstGeom prst="rect">
-            <a:avLst/>
-          </a:prstGeom>
-          <a:noFill/>
-        </p:spPr>
-        <p:txBody>
-          <a:bodyPr wrap="square" rtlCol="0">
-            <a:spAutoFit/>
-          </a:bodyPr>
-          <a:lstStyle/>
-          <a:p>
-            <a:r>
-              <a:rPr lang="es-MX" dirty="0"/>
-              <a:t>Ejemplo del fenómeno estudiado</a:t>
-            </a:r>
-          </a:p>
-        </p:txBody>
-      </p:sp>
-    </p:spTree>
-    <p:extLst>
-      <p:ext uri="{BB962C8B-B14F-4D97-AF65-F5344CB8AC3E}">
-        <p14:creationId xmlns:p14="http://schemas.microsoft.com/office/powerpoint/2010/main" val="1782862699"/>
-      </p:ext>
-    </p:extLst>
-  </p:cSld>
-  <p:clrMapOvr>
-    <a:masterClrMapping/>
-  </p:clrMapOvr>
-</p:sld>
-</file>
-
-<file path=ppt/slides/slide7.xml><?xml version="1.0" encoding="utf-8"?>
-<p:sld xmlns:a="http://schemas.openxmlformats.org/drawingml/2006/main" xmlns:r="http://schemas.openxmlformats.org/officeDocument/2006/relationships" xmlns:p="http://schemas.openxmlformats.org/presentationml/2006/main">
-  <p:cSld>
-    <p:spTree>
-      <p:nvGrpSpPr>
-        <p:cNvPr id="1" name=""/>
-        <p:cNvGrpSpPr/>
-        <p:nvPr/>
-      </p:nvGrpSpPr>
-      <p:grpSpPr>
-        <a:xfrm>
-          <a:off x="0" y="0"/>
-          <a:ext cx="0" cy="0"/>
-          <a:chOff x="0" y="0"/>
-          <a:chExt cx="0" cy="0"/>
-        </a:xfrm>
-      </p:grpSpPr>
-      <p:sp>
-        <p:nvSpPr>
-          <p:cNvPr id="2" name="Título 1">
-            <a:extLst>
-              <a:ext uri="{FF2B5EF4-FFF2-40B4-BE49-F238E27FC236}">
-                <a16:creationId xmlns:a16="http://schemas.microsoft.com/office/drawing/2014/main" id="{3B01FFA4-3D2B-45AF-A93C-33A6466E60A5}"/>
-              </a:ext>
-            </a:extLst>
-          </p:cNvPr>
-          <p:cNvSpPr>
-            <a:spLocks noGrp="1"/>
-          </p:cNvSpPr>
-          <p:nvPr>
-            <p:ph type="title"/>
-          </p:nvPr>
-        </p:nvSpPr>
-        <p:spPr/>
-        <p:txBody>
-          <a:bodyPr/>
-          <a:lstStyle/>
-          <a:p>
-            <a:r>
-              <a:rPr lang="es-MX" dirty="0"/>
-              <a:t>Fórmulas</a:t>
-            </a:r>
-          </a:p>
-        </p:txBody>
-      </p:sp>
-      <p:pic>
-        <p:nvPicPr>
-          <p:cNvPr id="5" name="Marcador de contenido 4">
-            <a:extLst>
-              <a:ext uri="{FF2B5EF4-FFF2-40B4-BE49-F238E27FC236}">
-                <a16:creationId xmlns:a16="http://schemas.microsoft.com/office/drawing/2014/main" id="{9DBE9E07-253B-4E3F-992A-EEB4FE9E4B4D}"/>
-              </a:ext>
-            </a:extLst>
-          </p:cNvPr>
-          <p:cNvPicPr>
-            <a:picLocks noGrp="1" noChangeAspect="1"/>
-          </p:cNvPicPr>
-          <p:nvPr>
-            <p:ph idx="1"/>
-          </p:nvPr>
-        </p:nvPicPr>
-        <p:blipFill rotWithShape="1">
-          <a:blip r:embed="rId2"/>
-          <a:srcRect l="15605" t="37290" r="70880" b="56280"/>
-          <a:stretch/>
-        </p:blipFill>
-        <p:spPr>
-          <a:xfrm>
-            <a:off x="1141413" y="2367168"/>
-            <a:ext cx="3604593" cy="964097"/>
-          </a:xfrm>
-          <a:prstGeom prst="rect">
-            <a:avLst/>
-          </a:prstGeom>
-        </p:spPr>
-      </p:pic>
-      <p:pic>
-        <p:nvPicPr>
-          <p:cNvPr id="6" name="Marcador de contenido 4">
-            <a:extLst>
-              <a:ext uri="{FF2B5EF4-FFF2-40B4-BE49-F238E27FC236}">
-                <a16:creationId xmlns:a16="http://schemas.microsoft.com/office/drawing/2014/main" id="{1CC8B26A-1D0A-435B-BD39-E5B2D35CD0B1}"/>
-              </a:ext>
-            </a:extLst>
-          </p:cNvPr>
-          <p:cNvPicPr>
-            <a:picLocks noChangeAspect="1"/>
-          </p:cNvPicPr>
-          <p:nvPr/>
-        </p:nvPicPr>
-        <p:blipFill rotWithShape="1">
-          <a:blip r:embed="rId2"/>
-          <a:srcRect l="15833" t="47566" r="73982" b="47507"/>
-          <a:stretch/>
-        </p:blipFill>
-        <p:spPr>
-          <a:xfrm>
-            <a:off x="1141413" y="4272168"/>
-            <a:ext cx="3587359" cy="975693"/>
-          </a:xfrm>
-          <a:prstGeom prst="rect">
-            <a:avLst/>
-          </a:prstGeom>
-        </p:spPr>
-      </p:pic>
-      <p:sp>
-        <p:nvSpPr>
-          <p:cNvPr id="7" name="CuadroTexto 6">
-            <a:extLst>
-              <a:ext uri="{FF2B5EF4-FFF2-40B4-BE49-F238E27FC236}">
-                <a16:creationId xmlns:a16="http://schemas.microsoft.com/office/drawing/2014/main" id="{A0BFF95B-77A1-435E-BF62-0C4CB6CA7FC4}"/>
-              </a:ext>
-            </a:extLst>
-          </p:cNvPr>
-          <p:cNvSpPr txBox="1"/>
-          <p:nvPr/>
-        </p:nvSpPr>
-        <p:spPr>
-          <a:xfrm>
-            <a:off x="5724939" y="2514600"/>
-            <a:ext cx="3392557" cy="369332"/>
-          </a:xfrm>
-          <a:prstGeom prst="rect">
-            <a:avLst/>
-          </a:prstGeom>
-          <a:noFill/>
-        </p:spPr>
-        <p:txBody>
-          <a:bodyPr wrap="square" rtlCol="0">
-            <a:spAutoFit/>
-          </a:bodyPr>
-          <a:lstStyle/>
-          <a:p>
-            <a:r>
-              <a:rPr lang="es-MX" dirty="0"/>
-              <a:t>Pendiente de deflexión</a:t>
-            </a:r>
-          </a:p>
-        </p:txBody>
-      </p:sp>
-      <p:sp>
-        <p:nvSpPr>
-          <p:cNvPr id="8" name="CuadroTexto 7">
-            <a:extLst>
-              <a:ext uri="{FF2B5EF4-FFF2-40B4-BE49-F238E27FC236}">
-                <a16:creationId xmlns:a16="http://schemas.microsoft.com/office/drawing/2014/main" id="{8C69094A-1D50-4EA2-9BDA-8AC377B0830E}"/>
-              </a:ext>
-            </a:extLst>
-          </p:cNvPr>
-          <p:cNvSpPr txBox="1"/>
-          <p:nvPr/>
-        </p:nvSpPr>
-        <p:spPr>
-          <a:xfrm>
-            <a:off x="5724939" y="4760014"/>
-            <a:ext cx="3392557" cy="369332"/>
-          </a:xfrm>
-          <a:prstGeom prst="rect">
-            <a:avLst/>
-          </a:prstGeom>
-          <a:noFill/>
-        </p:spPr>
-        <p:txBody>
-          <a:bodyPr wrap="square" rtlCol="0">
-            <a:spAutoFit/>
-          </a:bodyPr>
-          <a:lstStyle/>
-          <a:p>
-            <a:r>
-              <a:rPr lang="es-MX" dirty="0"/>
-              <a:t>Deflexión de la viga</a:t>
-            </a:r>
-          </a:p>
-        </p:txBody>
-      </p:sp>
-    </p:spTree>
-    <p:extLst>
-      <p:ext uri="{BB962C8B-B14F-4D97-AF65-F5344CB8AC3E}">
-        <p14:creationId xmlns:p14="http://schemas.microsoft.com/office/powerpoint/2010/main" val="1087967439"/>
-      </p:ext>
-    </p:extLst>
-  </p:cSld>
-  <p:clrMapOvr>
-    <a:masterClrMapping/>
-  </p:clrMapOvr>
-</p:sld>
-</file>
-
-<file path=ppt/slides/slide8.xml><?xml version="1.0" encoding="utf-8"?>
+<file path=ppt/slides/slide4.xml><?xml version="1.0" encoding="utf-8"?>
 <p:sld xmlns:a="http://schemas.openxmlformats.org/drawingml/2006/main" xmlns:r="http://schemas.openxmlformats.org/officeDocument/2006/relationships" xmlns:p="http://schemas.openxmlformats.org/presentationml/2006/main">
   <p:cSld>
     <p:spTree>
@@ -7033,7 +6215,7 @@
 </p:sld>
 </file>
 
-<file path=ppt/slides/slide9.xml><?xml version="1.0" encoding="utf-8"?>
+<file path=ppt/slides/slide5.xml><?xml version="1.0" encoding="utf-8"?>
 <p:sld xmlns:a="http://schemas.openxmlformats.org/drawingml/2006/main" xmlns:r="http://schemas.openxmlformats.org/officeDocument/2006/relationships" xmlns:p="http://schemas.openxmlformats.org/presentationml/2006/main">
   <p:cSld>
     <p:spTree>
@@ -7085,27 +6267,30 @@
       </p:sp>
       <p:pic>
         <p:nvPicPr>
-          <p:cNvPr id="6" name="Imagen 5">
+          <p:cNvPr id="4" name="Marcador de contenido 3">
             <a:extLst>
               <a:ext uri="{FF2B5EF4-FFF2-40B4-BE49-F238E27FC236}">
-                <a16:creationId xmlns:a16="http://schemas.microsoft.com/office/drawing/2014/main" id="{F0414FBF-CFB8-46F0-B8F9-B4172F292735}"/>
+                <a16:creationId xmlns:a16="http://schemas.microsoft.com/office/drawing/2014/main" id="{D4E95239-66E4-4502-9201-2D52E14565F4}"/>
               </a:ext>
             </a:extLst>
           </p:cNvPr>
           <p:cNvPicPr>
-            <a:picLocks noChangeAspect="1"/>
+            <a:picLocks noGrp="1" noChangeAspect="1"/>
           </p:cNvPicPr>
-          <p:nvPr/>
+          <p:nvPr>
+            <p:ph idx="1"/>
+          </p:nvPr>
         </p:nvPicPr>
-        <p:blipFill rotWithShape="1">
+        <p:blipFill>
           <a:blip r:embed="rId2"/>
-          <a:srcRect l="22065" t="23562" r="23913" b="12639"/>
-          <a:stretch/>
+          <a:stretch>
+            <a:fillRect/>
+          </a:stretch>
         </p:blipFill>
         <p:spPr>
           <a:xfrm>
-            <a:off x="1883383" y="318053"/>
-            <a:ext cx="9432000" cy="6262696"/>
+            <a:off x="2377440" y="389847"/>
+            <a:ext cx="9580098" cy="6027377"/>
           </a:xfrm>
           <a:prstGeom prst="rect">
             <a:avLst/>
@@ -7116,6 +6301,199 @@
     <p:extLst>
       <p:ext uri="{BB962C8B-B14F-4D97-AF65-F5344CB8AC3E}">
         <p14:creationId xmlns:p14="http://schemas.microsoft.com/office/powerpoint/2010/main" val="3494100404"/>
+      </p:ext>
+    </p:extLst>
+  </p:cSld>
+  <p:clrMapOvr>
+    <a:masterClrMapping/>
+  </p:clrMapOvr>
+</p:sld>
+</file>
+
+<file path=ppt/slides/slide6.xml><?xml version="1.0" encoding="utf-8"?>
+<p:sld xmlns:a="http://schemas.openxmlformats.org/drawingml/2006/main" xmlns:r="http://schemas.openxmlformats.org/officeDocument/2006/relationships" xmlns:p="http://schemas.openxmlformats.org/presentationml/2006/main">
+  <p:cSld>
+    <p:spTree>
+      <p:nvGrpSpPr>
+        <p:cNvPr id="1" name=""/>
+        <p:cNvGrpSpPr/>
+        <p:nvPr/>
+      </p:nvGrpSpPr>
+      <p:grpSpPr>
+        <a:xfrm>
+          <a:off x="0" y="0"/>
+          <a:ext cx="0" cy="0"/>
+          <a:chOff x="0" y="0"/>
+          <a:chExt cx="0" cy="0"/>
+        </a:xfrm>
+      </p:grpSpPr>
+      <p:sp>
+        <p:nvSpPr>
+          <p:cNvPr id="2" name="Título 1">
+            <a:extLst>
+              <a:ext uri="{FF2B5EF4-FFF2-40B4-BE49-F238E27FC236}">
+                <a16:creationId xmlns:a16="http://schemas.microsoft.com/office/drawing/2014/main" id="{4FE6F5F0-EEA8-4E6E-824F-1B736B031CC7}"/>
+              </a:ext>
+            </a:extLst>
+          </p:cNvPr>
+          <p:cNvSpPr>
+            <a:spLocks noGrp="1"/>
+          </p:cNvSpPr>
+          <p:nvPr>
+            <p:ph type="title"/>
+          </p:nvPr>
+        </p:nvSpPr>
+        <p:spPr>
+          <a:xfrm>
+            <a:off x="789721" y="0"/>
+            <a:ext cx="9905998" cy="1905000"/>
+          </a:xfrm>
+        </p:spPr>
+        <p:txBody>
+          <a:bodyPr/>
+          <a:lstStyle/>
+          <a:p>
+            <a:r>
+              <a:rPr lang="es-MX" dirty="0"/>
+              <a:t>conclusiones</a:t>
+            </a:r>
+          </a:p>
+        </p:txBody>
+      </p:sp>
+      <p:sp>
+        <p:nvSpPr>
+          <p:cNvPr id="3" name="Marcador de contenido 2">
+            <a:extLst>
+              <a:ext uri="{FF2B5EF4-FFF2-40B4-BE49-F238E27FC236}">
+                <a16:creationId xmlns:a16="http://schemas.microsoft.com/office/drawing/2014/main" id="{1C531B4B-2F8F-475A-A9A6-FB7095E9A46B}"/>
+              </a:ext>
+            </a:extLst>
+          </p:cNvPr>
+          <p:cNvSpPr>
+            <a:spLocks noGrp="1"/>
+          </p:cNvSpPr>
+          <p:nvPr>
+            <p:ph idx="1"/>
+          </p:nvPr>
+        </p:nvSpPr>
+        <p:spPr/>
+        <p:txBody>
+          <a:bodyPr/>
+          <a:lstStyle/>
+          <a:p>
+            <a:endParaRPr lang="es-MX" dirty="0"/>
+          </a:p>
+        </p:txBody>
+      </p:sp>
+    </p:spTree>
+    <p:extLst>
+      <p:ext uri="{BB962C8B-B14F-4D97-AF65-F5344CB8AC3E}">
+        <p14:creationId xmlns:p14="http://schemas.microsoft.com/office/powerpoint/2010/main" val="2086482557"/>
+      </p:ext>
+    </p:extLst>
+  </p:cSld>
+  <p:clrMapOvr>
+    <a:masterClrMapping/>
+  </p:clrMapOvr>
+</p:sld>
+</file>
+
+<file path=ppt/slides/slide7.xml><?xml version="1.0" encoding="utf-8"?>
+<p:sld xmlns:a="http://schemas.openxmlformats.org/drawingml/2006/main" xmlns:r="http://schemas.openxmlformats.org/officeDocument/2006/relationships" xmlns:p="http://schemas.openxmlformats.org/presentationml/2006/main">
+  <p:cSld>
+    <p:spTree>
+      <p:nvGrpSpPr>
+        <p:cNvPr id="1" name=""/>
+        <p:cNvGrpSpPr/>
+        <p:nvPr/>
+      </p:nvGrpSpPr>
+      <p:grpSpPr>
+        <a:xfrm>
+          <a:off x="0" y="0"/>
+          <a:ext cx="0" cy="0"/>
+          <a:chOff x="0" y="0"/>
+          <a:chExt cx="0" cy="0"/>
+        </a:xfrm>
+      </p:grpSpPr>
+      <p:sp>
+        <p:nvSpPr>
+          <p:cNvPr id="2" name="Título 1">
+            <a:extLst>
+              <a:ext uri="{FF2B5EF4-FFF2-40B4-BE49-F238E27FC236}">
+                <a16:creationId xmlns:a16="http://schemas.microsoft.com/office/drawing/2014/main" id="{369F7897-275E-4F87-A86F-9C0406358D64}"/>
+              </a:ext>
+            </a:extLst>
+          </p:cNvPr>
+          <p:cNvSpPr>
+            <a:spLocks noGrp="1"/>
+          </p:cNvSpPr>
+          <p:nvPr>
+            <p:ph type="title"/>
+          </p:nvPr>
+        </p:nvSpPr>
+        <p:spPr/>
+        <p:txBody>
+          <a:bodyPr/>
+          <a:lstStyle/>
+          <a:p>
+            <a:r>
+              <a:rPr lang="es-MX" dirty="0"/>
+              <a:t>referencias</a:t>
+            </a:r>
+          </a:p>
+        </p:txBody>
+      </p:sp>
+      <p:sp>
+        <p:nvSpPr>
+          <p:cNvPr id="3" name="Marcador de contenido 2">
+            <a:extLst>
+              <a:ext uri="{FF2B5EF4-FFF2-40B4-BE49-F238E27FC236}">
+                <a16:creationId xmlns:a16="http://schemas.microsoft.com/office/drawing/2014/main" id="{55401434-5038-499F-A49D-8022C182D155}"/>
+              </a:ext>
+            </a:extLst>
+          </p:cNvPr>
+          <p:cNvSpPr>
+            <a:spLocks noGrp="1"/>
+          </p:cNvSpPr>
+          <p:nvPr>
+            <p:ph idx="1"/>
+          </p:nvPr>
+        </p:nvSpPr>
+        <p:spPr>
+          <a:xfrm>
+            <a:off x="2184558" y="1562100"/>
+            <a:ext cx="7819707" cy="3124201"/>
+          </a:xfrm>
+        </p:spPr>
+        <p:txBody>
+          <a:bodyPr>
+            <a:normAutofit/>
+          </a:bodyPr>
+          <a:lstStyle/>
+          <a:p>
+            <a:r>
+              <a:rPr lang="es-MX" sz="2800" dirty="0" err="1"/>
+              <a:t>Kassimali</a:t>
+            </a:r>
+            <a:r>
+              <a:rPr lang="es-MX" sz="2800" dirty="0"/>
+              <a:t> A. (2014). Análisis estructural (5° Ed). México D.F.: Cengage </a:t>
+            </a:r>
+            <a:r>
+              <a:rPr lang="es-MX" sz="2800" dirty="0" err="1"/>
+              <a:t>Learning</a:t>
+            </a:r>
+            <a:r>
+              <a:rPr lang="es-MX" sz="2800" dirty="0"/>
+              <a:t>.</a:t>
+            </a:r>
+          </a:p>
+        </p:txBody>
+      </p:sp>
+    </p:spTree>
+    <p:extLst>
+      <p:ext uri="{BB962C8B-B14F-4D97-AF65-F5344CB8AC3E}">
+        <p14:creationId xmlns:p14="http://schemas.microsoft.com/office/powerpoint/2010/main" val="2097974283"/>
       </p:ext>
     </p:extLst>
   </p:cSld>

--- a/Proyecto módulo 1.pptx
+++ b/Proyecto módulo 1.pptx
@@ -340,7 +340,7 @@
           <a:p>
             <a:fld id="{FD289CDF-2F97-4BAB-8D78-9050FD94C3C8}" type="datetimeFigureOut">
               <a:rPr lang="es-MX" smtClean="0"/>
-              <a:t>25/09/2017</a:t>
+              <a:t>26/09/2017</a:t>
             </a:fld>
             <a:endParaRPr lang="es-MX"/>
           </a:p>
@@ -631,7 +631,7 @@
           <a:p>
             <a:fld id="{FD289CDF-2F97-4BAB-8D78-9050FD94C3C8}" type="datetimeFigureOut">
               <a:rPr lang="es-MX" smtClean="0"/>
-              <a:t>25/09/2017</a:t>
+              <a:t>26/09/2017</a:t>
             </a:fld>
             <a:endParaRPr lang="es-MX"/>
           </a:p>
@@ -890,7 +890,7 @@
           <a:p>
             <a:fld id="{FD289CDF-2F97-4BAB-8D78-9050FD94C3C8}" type="datetimeFigureOut">
               <a:rPr lang="es-MX" smtClean="0"/>
-              <a:t>25/09/2017</a:t>
+              <a:t>26/09/2017</a:t>
             </a:fld>
             <a:endParaRPr lang="es-MX"/>
           </a:p>
@@ -1359,7 +1359,7 @@
           <a:p>
             <a:fld id="{FD289CDF-2F97-4BAB-8D78-9050FD94C3C8}" type="datetimeFigureOut">
               <a:rPr lang="es-MX" smtClean="0"/>
-              <a:t>25/09/2017</a:t>
+              <a:t>26/09/2017</a:t>
             </a:fld>
             <a:endParaRPr lang="es-MX"/>
           </a:p>
@@ -1539,7 +1539,7 @@
           <a:p>
             <a:fld id="{FD289CDF-2F97-4BAB-8D78-9050FD94C3C8}" type="datetimeFigureOut">
               <a:rPr lang="es-MX" smtClean="0"/>
-              <a:t>25/09/2017</a:t>
+              <a:t>26/09/2017</a:t>
             </a:fld>
             <a:endParaRPr lang="es-MX"/>
           </a:p>
@@ -2115,7 +2115,7 @@
           <a:p>
             <a:fld id="{FD289CDF-2F97-4BAB-8D78-9050FD94C3C8}" type="datetimeFigureOut">
               <a:rPr lang="es-MX" smtClean="0"/>
-              <a:t>25/09/2017</a:t>
+              <a:t>26/09/2017</a:t>
             </a:fld>
             <a:endParaRPr lang="es-MX"/>
           </a:p>
@@ -2447,7 +2447,7 @@
           <a:p>
             <a:fld id="{FD289CDF-2F97-4BAB-8D78-9050FD94C3C8}" type="datetimeFigureOut">
               <a:rPr lang="es-MX" smtClean="0"/>
-              <a:t>25/09/2017</a:t>
+              <a:t>26/09/2017</a:t>
             </a:fld>
             <a:endParaRPr lang="es-MX"/>
           </a:p>
@@ -2622,7 +2622,7 @@
           <a:p>
             <a:fld id="{FD289CDF-2F97-4BAB-8D78-9050FD94C3C8}" type="datetimeFigureOut">
               <a:rPr lang="es-MX" smtClean="0"/>
-              <a:t>25/09/2017</a:t>
+              <a:t>26/09/2017</a:t>
             </a:fld>
             <a:endParaRPr lang="es-MX"/>
           </a:p>
@@ -2802,7 +2802,7 @@
           <a:p>
             <a:fld id="{FD289CDF-2F97-4BAB-8D78-9050FD94C3C8}" type="datetimeFigureOut">
               <a:rPr lang="es-MX" smtClean="0"/>
-              <a:t>25/09/2017</a:t>
+              <a:t>26/09/2017</a:t>
             </a:fld>
             <a:endParaRPr lang="es-MX"/>
           </a:p>
@@ -2972,7 +2972,7 @@
           <a:p>
             <a:fld id="{FD289CDF-2F97-4BAB-8D78-9050FD94C3C8}" type="datetimeFigureOut">
               <a:rPr lang="es-MX" smtClean="0"/>
-              <a:t>25/09/2017</a:t>
+              <a:t>26/09/2017</a:t>
             </a:fld>
             <a:endParaRPr lang="es-MX"/>
           </a:p>
@@ -3229,7 +3229,7 @@
           <a:p>
             <a:fld id="{FD289CDF-2F97-4BAB-8D78-9050FD94C3C8}" type="datetimeFigureOut">
               <a:rPr lang="es-MX" smtClean="0"/>
-              <a:t>25/09/2017</a:t>
+              <a:t>26/09/2017</a:t>
             </a:fld>
             <a:endParaRPr lang="es-MX"/>
           </a:p>
@@ -3521,7 +3521,7 @@
           <a:p>
             <a:fld id="{FD289CDF-2F97-4BAB-8D78-9050FD94C3C8}" type="datetimeFigureOut">
               <a:rPr lang="es-MX" smtClean="0"/>
-              <a:t>25/09/2017</a:t>
+              <a:t>26/09/2017</a:t>
             </a:fld>
             <a:endParaRPr lang="es-MX"/>
           </a:p>
@@ -3951,7 +3951,7 @@
           <a:p>
             <a:fld id="{FD289CDF-2F97-4BAB-8D78-9050FD94C3C8}" type="datetimeFigureOut">
               <a:rPr lang="es-MX" smtClean="0"/>
-              <a:t>25/09/2017</a:t>
+              <a:t>26/09/2017</a:t>
             </a:fld>
             <a:endParaRPr lang="es-MX"/>
           </a:p>
@@ -4069,7 +4069,7 @@
           <a:p>
             <a:fld id="{FD289CDF-2F97-4BAB-8D78-9050FD94C3C8}" type="datetimeFigureOut">
               <a:rPr lang="es-MX" smtClean="0"/>
-              <a:t>25/09/2017</a:t>
+              <a:t>26/09/2017</a:t>
             </a:fld>
             <a:endParaRPr lang="es-MX"/>
           </a:p>
@@ -4164,7 +4164,7 @@
           <a:p>
             <a:fld id="{FD289CDF-2F97-4BAB-8D78-9050FD94C3C8}" type="datetimeFigureOut">
               <a:rPr lang="es-MX" smtClean="0"/>
-              <a:t>25/09/2017</a:t>
+              <a:t>26/09/2017</a:t>
             </a:fld>
             <a:endParaRPr lang="es-MX"/>
           </a:p>
@@ -4447,7 +4447,7 @@
           <a:p>
             <a:fld id="{FD289CDF-2F97-4BAB-8D78-9050FD94C3C8}" type="datetimeFigureOut">
               <a:rPr lang="es-MX" smtClean="0"/>
-              <a:t>25/09/2017</a:t>
+              <a:t>26/09/2017</a:t>
             </a:fld>
             <a:endParaRPr lang="es-MX"/>
           </a:p>
@@ -4738,7 +4738,7 @@
           <a:p>
             <a:fld id="{FD289CDF-2F97-4BAB-8D78-9050FD94C3C8}" type="datetimeFigureOut">
               <a:rPr lang="es-MX" smtClean="0"/>
-              <a:t>25/09/2017</a:t>
+              <a:t>26/09/2017</a:t>
             </a:fld>
             <a:endParaRPr lang="es-MX"/>
           </a:p>
@@ -4969,7 +4969,7 @@
           <a:p>
             <a:fld id="{FD289CDF-2F97-4BAB-8D78-9050FD94C3C8}" type="datetimeFigureOut">
               <a:rPr lang="es-MX" smtClean="0"/>
-              <a:t>25/09/2017</a:t>
+              <a:t>26/09/2017</a:t>
             </a:fld>
             <a:endParaRPr lang="es-MX"/>
           </a:p>

--- a/Proyecto módulo 1.pptx
+++ b/Proyecto módulo 1.pptx
@@ -6818,7 +6818,7 @@
         </p:blipFill>
         <p:spPr>
           <a:xfrm>
-            <a:off x="1141413" y="2367168"/>
+            <a:off x="1124178" y="3658939"/>
             <a:ext cx="3604593" cy="964097"/>
           </a:xfrm>
           <a:prstGeom prst="rect">
@@ -6847,7 +6847,7 @@
         </p:blipFill>
         <p:spPr>
           <a:xfrm>
-            <a:off x="1141413" y="4272168"/>
+            <a:off x="1141413" y="4936325"/>
             <a:ext cx="3587359" cy="975693"/>
           </a:xfrm>
           <a:prstGeom prst="rect">
@@ -6869,7 +6869,7 @@
         </p:nvSpPr>
         <p:spPr>
           <a:xfrm>
-            <a:off x="5724939" y="2514600"/>
+            <a:off x="5565913" y="3956321"/>
             <a:ext cx="3392557" cy="369332"/>
           </a:xfrm>
           <a:prstGeom prst="rect">
@@ -6904,7 +6904,7 @@
         </p:nvSpPr>
         <p:spPr>
           <a:xfrm>
-            <a:off x="5724939" y="4760014"/>
+            <a:off x="5565913" y="5239505"/>
             <a:ext cx="3392557" cy="369332"/>
           </a:xfrm>
           <a:prstGeom prst="rect">
@@ -6921,6 +6921,70 @@
             <a:r>
               <a:rPr lang="es-MX" dirty="0"/>
               <a:t>Deflexión de la viga</a:t>
+            </a:r>
+          </a:p>
+        </p:txBody>
+      </p:sp>
+      <p:pic>
+        <p:nvPicPr>
+          <p:cNvPr id="3" name="Imagen 2">
+            <a:extLst>
+              <a:ext uri="{FF2B5EF4-FFF2-40B4-BE49-F238E27FC236}">
+                <a16:creationId xmlns:a16="http://schemas.microsoft.com/office/drawing/2014/main" id="{12864766-A48C-4E86-8EC7-FCDA156AF00D}"/>
+              </a:ext>
+            </a:extLst>
+          </p:cNvPr>
+          <p:cNvPicPr>
+            <a:picLocks noChangeAspect="1"/>
+          </p:cNvPicPr>
+          <p:nvPr/>
+        </p:nvPicPr>
+        <p:blipFill rotWithShape="1">
+          <a:blip r:embed="rId3"/>
+          <a:srcRect l="16196" t="42048" r="71304" b="51426"/>
+          <a:stretch/>
+        </p:blipFill>
+        <p:spPr>
+          <a:xfrm>
+            <a:off x="1124178" y="2251897"/>
+            <a:ext cx="3604593" cy="1058040"/>
+          </a:xfrm>
+          <a:prstGeom prst="rect">
+            <a:avLst/>
+          </a:prstGeom>
+        </p:spPr>
+      </p:pic>
+      <p:sp>
+        <p:nvSpPr>
+          <p:cNvPr id="9" name="CuadroTexto 8">
+            <a:extLst>
+              <a:ext uri="{FF2B5EF4-FFF2-40B4-BE49-F238E27FC236}">
+                <a16:creationId xmlns:a16="http://schemas.microsoft.com/office/drawing/2014/main" id="{72A3FF6F-6C77-4AE0-BDCA-ADFE23834004}"/>
+              </a:ext>
+            </a:extLst>
+          </p:cNvPr>
+          <p:cNvSpPr txBox="1"/>
+          <p:nvPr/>
+        </p:nvSpPr>
+        <p:spPr>
+          <a:xfrm>
+            <a:off x="5565913" y="2673137"/>
+            <a:ext cx="3392557" cy="369332"/>
+          </a:xfrm>
+          <a:prstGeom prst="rect">
+            <a:avLst/>
+          </a:prstGeom>
+          <a:noFill/>
+        </p:spPr>
+        <p:txBody>
+          <a:bodyPr wrap="square" rtlCol="0">
+            <a:spAutoFit/>
+          </a:bodyPr>
+          <a:lstStyle/>
+          <a:p>
+            <a:r>
+              <a:rPr lang="es-MX" dirty="0"/>
+              <a:t>Fórmula general del sistema</a:t>
             </a:r>
           </a:p>
         </p:txBody>
